--- a/presentation.pptx
+++ b/presentation.pptx
@@ -17,7 +17,7 @@
     <p:sldId id="263" r:id="rId11"/>
     <p:sldId id="266" r:id="rId12"/>
     <p:sldId id="315" r:id="rId13"/>
-    <p:sldId id="258" r:id="rId14"/>
+    <p:sldId id="319" r:id="rId14"/>
     <p:sldId id="260" r:id="rId15"/>
     <p:sldId id="317" r:id="rId16"/>
     <p:sldId id="318" r:id="rId17"/>
@@ -26,24 +26,20 @@
   <p:notesSz cx="6858000" cy="9144000"/>
   <p:embeddedFontLst>
     <p:embeddedFont>
-      <p:font typeface="Anaheim" panose="020B0604020202020204" charset="0"/>
+      <p:font typeface="Bebas Neue" panose="020B0606020202050201" pitchFamily="34" charset="0"/>
       <p:regular r:id="rId19"/>
     </p:embeddedFont>
     <p:embeddedFont>
-      <p:font typeface="Bebas Neue" panose="020B0606020202050201" pitchFamily="34" charset="0"/>
+      <p:font typeface="Inter" panose="020B0604020202020204" charset="0"/>
       <p:regular r:id="rId20"/>
-    </p:embeddedFont>
-    <p:embeddedFont>
-      <p:font typeface="Inter" panose="020B0604020202020204" charset="0"/>
-      <p:regular r:id="rId21"/>
-      <p:bold r:id="rId22"/>
+      <p:bold r:id="rId21"/>
     </p:embeddedFont>
     <p:embeddedFont>
       <p:font typeface="Open Sans" panose="020B0606030504020204" pitchFamily="34" charset="0"/>
-      <p:regular r:id="rId23"/>
-      <p:bold r:id="rId24"/>
-      <p:italic r:id="rId25"/>
-      <p:boldItalic r:id="rId26"/>
+      <p:regular r:id="rId22"/>
+      <p:bold r:id="rId23"/>
+      <p:italic r:id="rId24"/>
+      <p:boldItalic r:id="rId25"/>
     </p:embeddedFont>
   </p:embeddedFontLst>
   <p:defaultTextStyle>
@@ -841,7 +837,7 @@
   <p:cSld>
     <p:spTree>
       <p:nvGrpSpPr>
-        <p:cNvPr id="1" name="Shape 192"/>
+        <p:cNvPr id="1" name="Shape 315"/>
         <p:cNvGrpSpPr/>
         <p:nvPr/>
       </p:nvGrpSpPr>
@@ -855,7 +851,7 @@
       </p:grpSpPr>
       <p:sp>
         <p:nvSpPr>
-          <p:cNvPr id="193" name="Google Shape;193;gd431007ba2_0_215:notes"/>
+          <p:cNvPr id="316" name="Google Shape;316;g54dda1946d_4_2738:notes"/>
           <p:cNvSpPr>
             <a:spLocks noGrp="1" noRot="1" noChangeAspect="1"/>
           </p:cNvSpPr>
@@ -896,7 +892,7 @@
       </p:sp>
       <p:sp>
         <p:nvSpPr>
-          <p:cNvPr id="194" name="Google Shape;194;gd431007ba2_0_215:notes"/>
+          <p:cNvPr id="317" name="Google Shape;317;g54dda1946d_4_2738:notes"/>
           <p:cNvSpPr txBox="1">
             <a:spLocks noGrp="1"/>
           </p:cNvSpPr>
@@ -926,31 +922,6 @@
               <a:spcAft>
                 <a:spcPts val="0"/>
               </a:spcAft>
-              <a:buClr>
-                <a:schemeClr val="dk1"/>
-              </a:buClr>
-              <a:buSzPts val="1100"/>
-              <a:buFont typeface="Arial"/>
-              <a:buNone/>
-            </a:pPr>
-            <a:endParaRPr sz="1200" i="1">
-              <a:solidFill>
-                <a:srgbClr val="595959"/>
-              </a:solidFill>
-              <a:latin typeface="Anaheim"/>
-              <a:ea typeface="Anaheim"/>
-              <a:cs typeface="Anaheim"/>
-              <a:sym typeface="Anaheim"/>
-            </a:endParaRPr>
-          </a:p>
-          <a:p>
-            <a:pPr marL="0" lvl="0" indent="0" algn="l" rtl="0">
-              <a:spcBef>
-                <a:spcPts val="0"/>
-              </a:spcBef>
-              <a:spcAft>
-                <a:spcPts val="0"/>
-              </a:spcAft>
               <a:buNone/>
             </a:pPr>
             <a:endParaRPr/>
@@ -958,6 +929,11 @@
         </p:txBody>
       </p:sp>
     </p:spTree>
+    <p:extLst>
+      <p:ext uri="{BB962C8B-B14F-4D97-AF65-F5344CB8AC3E}">
+        <p14:creationId xmlns:p14="http://schemas.microsoft.com/office/powerpoint/2010/main" val="3907351258"/>
+      </p:ext>
+    </p:extLst>
   </p:cSld>
   <p:clrMapOvr>
     <a:masterClrMapping/>
@@ -2587,31 +2563,6 @@
           </a:ln>
         </p:spPr>
       </p:sp>
-    </p:spTree>
-  </p:cSld>
-  <p:clrMapOvr>
-    <a:masterClrMapping/>
-  </p:clrMapOvr>
-</p:sldLayout>
-</file>
-
-<file path=ppt/slideLayouts/slideLayout10.xml><?xml version="1.0" encoding="utf-8"?>
-<p:sldLayout xmlns:a="http://schemas.openxmlformats.org/drawingml/2006/main" xmlns:r="http://schemas.openxmlformats.org/officeDocument/2006/relationships" xmlns:p="http://schemas.openxmlformats.org/presentationml/2006/main" matchingName="Background 1">
-  <p:cSld name="CUSTOM_9_1">
-    <p:spTree>
-      <p:nvGrpSpPr>
-        <p:cNvPr id="1" name="Shape 169"/>
-        <p:cNvGrpSpPr/>
-        <p:nvPr/>
-      </p:nvGrpSpPr>
-      <p:grpSpPr>
-        <a:xfrm>
-          <a:off x="0" y="0"/>
-          <a:ext cx="0" cy="0"/>
-          <a:chOff x="0" y="0"/>
-          <a:chExt cx="0" cy="0"/>
-        </a:xfrm>
-      </p:grpSpPr>
     </p:spTree>
   </p:cSld>
   <p:clrMapOvr>
@@ -3828,3266 +3779,6 @@
 </file>
 
 <file path=ppt/slideLayouts/slideLayout6.xml><?xml version="1.0" encoding="utf-8"?>
-<p:sldLayout xmlns:a="http://schemas.openxmlformats.org/drawingml/2006/main" xmlns:r="http://schemas.openxmlformats.org/officeDocument/2006/relationships" xmlns:p="http://schemas.openxmlformats.org/presentationml/2006/main" matchingName="Table of contents">
-  <p:cSld name="BLANK_1_1_1_1_1_1">
-    <p:spTree>
-      <p:nvGrpSpPr>
-        <p:cNvPr id="1" name="Shape 55"/>
-        <p:cNvGrpSpPr/>
-        <p:nvPr/>
-      </p:nvGrpSpPr>
-      <p:grpSpPr>
-        <a:xfrm>
-          <a:off x="0" y="0"/>
-          <a:ext cx="0" cy="0"/>
-          <a:chOff x="0" y="0"/>
-          <a:chExt cx="0" cy="0"/>
-        </a:xfrm>
-      </p:grpSpPr>
-      <p:sp>
-        <p:nvSpPr>
-          <p:cNvPr id="56" name="Google Shape;56;p13"/>
-          <p:cNvSpPr/>
-          <p:nvPr/>
-        </p:nvSpPr>
-        <p:spPr>
-          <a:xfrm>
-            <a:off x="395700" y="411450"/>
-            <a:ext cx="8352600" cy="4320600"/>
-          </a:xfrm>
-          <a:prstGeom prst="rect">
-            <a:avLst/>
-          </a:prstGeom>
-          <a:solidFill>
-            <a:schemeClr val="lt1"/>
-          </a:solidFill>
-          <a:ln w="28575" cap="flat" cmpd="sng">
-            <a:solidFill>
-              <a:schemeClr val="dk1"/>
-            </a:solidFill>
-            <a:prstDash val="solid"/>
-            <a:round/>
-            <a:headEnd type="none" w="sm" len="sm"/>
-            <a:tailEnd type="none" w="sm" len="sm"/>
-          </a:ln>
-        </p:spPr>
-        <p:txBody>
-          <a:bodyPr spcFirstLastPara="1" wrap="square" lIns="91425" tIns="91425" rIns="91425" bIns="91425" anchor="ctr" anchorCtr="0">
-            <a:noAutofit/>
-          </a:bodyPr>
-          <a:lstStyle/>
-          <a:p>
-            <a:pPr marL="0" lvl="0" indent="0" algn="l" rtl="0">
-              <a:spcBef>
-                <a:spcPts val="0"/>
-              </a:spcBef>
-              <a:spcAft>
-                <a:spcPts val="0"/>
-              </a:spcAft>
-              <a:buNone/>
-            </a:pPr>
-            <a:endParaRPr/>
-          </a:p>
-        </p:txBody>
-      </p:sp>
-      <p:sp>
-        <p:nvSpPr>
-          <p:cNvPr id="57" name="Google Shape;57;p13"/>
-          <p:cNvSpPr txBox="1">
-            <a:spLocks noGrp="1"/>
-          </p:cNvSpPr>
-          <p:nvPr>
-            <p:ph type="subTitle" idx="1"/>
-          </p:nvPr>
-        </p:nvSpPr>
-        <p:spPr>
-          <a:xfrm>
-            <a:off x="818171" y="2240379"/>
-            <a:ext cx="2246700" cy="572700"/>
-          </a:xfrm>
-          <a:prstGeom prst="rect">
-            <a:avLst/>
-          </a:prstGeom>
-        </p:spPr>
-        <p:txBody>
-          <a:bodyPr spcFirstLastPara="1" wrap="square" lIns="91425" tIns="91425" rIns="91425" bIns="91425" anchor="t" anchorCtr="0">
-            <a:noAutofit/>
-          </a:bodyPr>
-          <a:lstStyle>
-            <a:lvl1pPr lvl="0" algn="ctr" rtl="0">
-              <a:spcBef>
-                <a:spcPts val="0"/>
-              </a:spcBef>
-              <a:spcAft>
-                <a:spcPts val="0"/>
-              </a:spcAft>
-              <a:buSzPts val="1400"/>
-              <a:buNone/>
-              <a:defRPr sz="1400"/>
-            </a:lvl1pPr>
-            <a:lvl2pPr lvl="1" algn="ctr" rtl="0">
-              <a:lnSpc>
-                <a:spcPct val="100000"/>
-              </a:lnSpc>
-              <a:spcBef>
-                <a:spcPts val="0"/>
-              </a:spcBef>
-              <a:spcAft>
-                <a:spcPts val="0"/>
-              </a:spcAft>
-              <a:buSzPts val="1400"/>
-              <a:buNone/>
-              <a:defRPr/>
-            </a:lvl2pPr>
-            <a:lvl3pPr lvl="2" algn="ctr" rtl="0">
-              <a:lnSpc>
-                <a:spcPct val="100000"/>
-              </a:lnSpc>
-              <a:spcBef>
-                <a:spcPts val="0"/>
-              </a:spcBef>
-              <a:spcAft>
-                <a:spcPts val="0"/>
-              </a:spcAft>
-              <a:buSzPts val="1400"/>
-              <a:buNone/>
-              <a:defRPr/>
-            </a:lvl3pPr>
-            <a:lvl4pPr lvl="3" algn="ctr" rtl="0">
-              <a:lnSpc>
-                <a:spcPct val="100000"/>
-              </a:lnSpc>
-              <a:spcBef>
-                <a:spcPts val="0"/>
-              </a:spcBef>
-              <a:spcAft>
-                <a:spcPts val="0"/>
-              </a:spcAft>
-              <a:buSzPts val="1400"/>
-              <a:buNone/>
-              <a:defRPr/>
-            </a:lvl4pPr>
-            <a:lvl5pPr lvl="4" algn="ctr" rtl="0">
-              <a:lnSpc>
-                <a:spcPct val="100000"/>
-              </a:lnSpc>
-              <a:spcBef>
-                <a:spcPts val="0"/>
-              </a:spcBef>
-              <a:spcAft>
-                <a:spcPts val="0"/>
-              </a:spcAft>
-              <a:buSzPts val="1400"/>
-              <a:buNone/>
-              <a:defRPr/>
-            </a:lvl5pPr>
-            <a:lvl6pPr lvl="5" algn="ctr" rtl="0">
-              <a:lnSpc>
-                <a:spcPct val="100000"/>
-              </a:lnSpc>
-              <a:spcBef>
-                <a:spcPts val="0"/>
-              </a:spcBef>
-              <a:spcAft>
-                <a:spcPts val="0"/>
-              </a:spcAft>
-              <a:buSzPts val="1400"/>
-              <a:buNone/>
-              <a:defRPr/>
-            </a:lvl6pPr>
-            <a:lvl7pPr lvl="6" algn="ctr" rtl="0">
-              <a:lnSpc>
-                <a:spcPct val="100000"/>
-              </a:lnSpc>
-              <a:spcBef>
-                <a:spcPts val="0"/>
-              </a:spcBef>
-              <a:spcAft>
-                <a:spcPts val="0"/>
-              </a:spcAft>
-              <a:buSzPts val="1400"/>
-              <a:buNone/>
-              <a:defRPr/>
-            </a:lvl7pPr>
-            <a:lvl8pPr lvl="7" algn="ctr" rtl="0">
-              <a:lnSpc>
-                <a:spcPct val="100000"/>
-              </a:lnSpc>
-              <a:spcBef>
-                <a:spcPts val="0"/>
-              </a:spcBef>
-              <a:spcAft>
-                <a:spcPts val="0"/>
-              </a:spcAft>
-              <a:buSzPts val="1400"/>
-              <a:buNone/>
-              <a:defRPr/>
-            </a:lvl8pPr>
-            <a:lvl9pPr lvl="8" algn="ctr" rtl="0">
-              <a:lnSpc>
-                <a:spcPct val="100000"/>
-              </a:lnSpc>
-              <a:spcBef>
-                <a:spcPts val="0"/>
-              </a:spcBef>
-              <a:spcAft>
-                <a:spcPts val="0"/>
-              </a:spcAft>
-              <a:buSzPts val="1400"/>
-              <a:buNone/>
-              <a:defRPr/>
-            </a:lvl9pPr>
-          </a:lstStyle>
-          <a:p>
-            <a:endParaRPr/>
-          </a:p>
-        </p:txBody>
-      </p:sp>
-      <p:sp>
-        <p:nvSpPr>
-          <p:cNvPr id="58" name="Google Shape;58;p13"/>
-          <p:cNvSpPr txBox="1">
-            <a:spLocks noGrp="1"/>
-          </p:cNvSpPr>
-          <p:nvPr>
-            <p:ph type="subTitle" idx="2"/>
-          </p:nvPr>
-        </p:nvSpPr>
-        <p:spPr>
-          <a:xfrm>
-            <a:off x="3448650" y="2240379"/>
-            <a:ext cx="2246700" cy="572700"/>
-          </a:xfrm>
-          <a:prstGeom prst="rect">
-            <a:avLst/>
-          </a:prstGeom>
-        </p:spPr>
-        <p:txBody>
-          <a:bodyPr spcFirstLastPara="1" wrap="square" lIns="91425" tIns="91425" rIns="91425" bIns="91425" anchor="t" anchorCtr="0">
-            <a:noAutofit/>
-          </a:bodyPr>
-          <a:lstStyle>
-            <a:lvl1pPr lvl="0" algn="ctr" rtl="0">
-              <a:spcBef>
-                <a:spcPts val="0"/>
-              </a:spcBef>
-              <a:spcAft>
-                <a:spcPts val="0"/>
-              </a:spcAft>
-              <a:buSzPts val="1400"/>
-              <a:buNone/>
-              <a:defRPr sz="1400"/>
-            </a:lvl1pPr>
-            <a:lvl2pPr lvl="1" algn="ctr" rtl="0">
-              <a:lnSpc>
-                <a:spcPct val="100000"/>
-              </a:lnSpc>
-              <a:spcBef>
-                <a:spcPts val="0"/>
-              </a:spcBef>
-              <a:spcAft>
-                <a:spcPts val="0"/>
-              </a:spcAft>
-              <a:buSzPts val="1400"/>
-              <a:buNone/>
-              <a:defRPr/>
-            </a:lvl2pPr>
-            <a:lvl3pPr lvl="2" algn="ctr" rtl="0">
-              <a:lnSpc>
-                <a:spcPct val="100000"/>
-              </a:lnSpc>
-              <a:spcBef>
-                <a:spcPts val="0"/>
-              </a:spcBef>
-              <a:spcAft>
-                <a:spcPts val="0"/>
-              </a:spcAft>
-              <a:buSzPts val="1400"/>
-              <a:buNone/>
-              <a:defRPr/>
-            </a:lvl3pPr>
-            <a:lvl4pPr lvl="3" algn="ctr" rtl="0">
-              <a:lnSpc>
-                <a:spcPct val="100000"/>
-              </a:lnSpc>
-              <a:spcBef>
-                <a:spcPts val="0"/>
-              </a:spcBef>
-              <a:spcAft>
-                <a:spcPts val="0"/>
-              </a:spcAft>
-              <a:buSzPts val="1400"/>
-              <a:buNone/>
-              <a:defRPr/>
-            </a:lvl4pPr>
-            <a:lvl5pPr lvl="4" algn="ctr" rtl="0">
-              <a:lnSpc>
-                <a:spcPct val="100000"/>
-              </a:lnSpc>
-              <a:spcBef>
-                <a:spcPts val="0"/>
-              </a:spcBef>
-              <a:spcAft>
-                <a:spcPts val="0"/>
-              </a:spcAft>
-              <a:buSzPts val="1400"/>
-              <a:buNone/>
-              <a:defRPr/>
-            </a:lvl5pPr>
-            <a:lvl6pPr lvl="5" algn="ctr" rtl="0">
-              <a:lnSpc>
-                <a:spcPct val="100000"/>
-              </a:lnSpc>
-              <a:spcBef>
-                <a:spcPts val="0"/>
-              </a:spcBef>
-              <a:spcAft>
-                <a:spcPts val="0"/>
-              </a:spcAft>
-              <a:buSzPts val="1400"/>
-              <a:buNone/>
-              <a:defRPr/>
-            </a:lvl6pPr>
-            <a:lvl7pPr lvl="6" algn="ctr" rtl="0">
-              <a:lnSpc>
-                <a:spcPct val="100000"/>
-              </a:lnSpc>
-              <a:spcBef>
-                <a:spcPts val="0"/>
-              </a:spcBef>
-              <a:spcAft>
-                <a:spcPts val="0"/>
-              </a:spcAft>
-              <a:buSzPts val="1400"/>
-              <a:buNone/>
-              <a:defRPr/>
-            </a:lvl7pPr>
-            <a:lvl8pPr lvl="7" algn="ctr" rtl="0">
-              <a:lnSpc>
-                <a:spcPct val="100000"/>
-              </a:lnSpc>
-              <a:spcBef>
-                <a:spcPts val="0"/>
-              </a:spcBef>
-              <a:spcAft>
-                <a:spcPts val="0"/>
-              </a:spcAft>
-              <a:buSzPts val="1400"/>
-              <a:buNone/>
-              <a:defRPr/>
-            </a:lvl8pPr>
-            <a:lvl9pPr lvl="8" algn="ctr" rtl="0">
-              <a:lnSpc>
-                <a:spcPct val="100000"/>
-              </a:lnSpc>
-              <a:spcBef>
-                <a:spcPts val="0"/>
-              </a:spcBef>
-              <a:spcAft>
-                <a:spcPts val="0"/>
-              </a:spcAft>
-              <a:buSzPts val="1400"/>
-              <a:buNone/>
-              <a:defRPr/>
-            </a:lvl9pPr>
-          </a:lstStyle>
-          <a:p>
-            <a:endParaRPr/>
-          </a:p>
-        </p:txBody>
-      </p:sp>
-      <p:sp>
-        <p:nvSpPr>
-          <p:cNvPr id="59" name="Google Shape;59;p13"/>
-          <p:cNvSpPr txBox="1">
-            <a:spLocks noGrp="1"/>
-          </p:cNvSpPr>
-          <p:nvPr>
-            <p:ph type="subTitle" idx="3"/>
-          </p:nvPr>
-        </p:nvSpPr>
-        <p:spPr>
-          <a:xfrm>
-            <a:off x="818171" y="3976891"/>
-            <a:ext cx="2246700" cy="572700"/>
-          </a:xfrm>
-          <a:prstGeom prst="rect">
-            <a:avLst/>
-          </a:prstGeom>
-        </p:spPr>
-        <p:txBody>
-          <a:bodyPr spcFirstLastPara="1" wrap="square" lIns="91425" tIns="91425" rIns="91425" bIns="91425" anchor="t" anchorCtr="0">
-            <a:noAutofit/>
-          </a:bodyPr>
-          <a:lstStyle>
-            <a:lvl1pPr lvl="0" algn="ctr" rtl="0">
-              <a:spcBef>
-                <a:spcPts val="0"/>
-              </a:spcBef>
-              <a:spcAft>
-                <a:spcPts val="0"/>
-              </a:spcAft>
-              <a:buSzPts val="1400"/>
-              <a:buNone/>
-              <a:defRPr sz="1400"/>
-            </a:lvl1pPr>
-            <a:lvl2pPr lvl="1" algn="ctr" rtl="0">
-              <a:lnSpc>
-                <a:spcPct val="100000"/>
-              </a:lnSpc>
-              <a:spcBef>
-                <a:spcPts val="0"/>
-              </a:spcBef>
-              <a:spcAft>
-                <a:spcPts val="0"/>
-              </a:spcAft>
-              <a:buSzPts val="1400"/>
-              <a:buNone/>
-              <a:defRPr/>
-            </a:lvl2pPr>
-            <a:lvl3pPr lvl="2" algn="ctr" rtl="0">
-              <a:lnSpc>
-                <a:spcPct val="100000"/>
-              </a:lnSpc>
-              <a:spcBef>
-                <a:spcPts val="0"/>
-              </a:spcBef>
-              <a:spcAft>
-                <a:spcPts val="0"/>
-              </a:spcAft>
-              <a:buSzPts val="1400"/>
-              <a:buNone/>
-              <a:defRPr/>
-            </a:lvl3pPr>
-            <a:lvl4pPr lvl="3" algn="ctr" rtl="0">
-              <a:lnSpc>
-                <a:spcPct val="100000"/>
-              </a:lnSpc>
-              <a:spcBef>
-                <a:spcPts val="0"/>
-              </a:spcBef>
-              <a:spcAft>
-                <a:spcPts val="0"/>
-              </a:spcAft>
-              <a:buSzPts val="1400"/>
-              <a:buNone/>
-              <a:defRPr/>
-            </a:lvl4pPr>
-            <a:lvl5pPr lvl="4" algn="ctr" rtl="0">
-              <a:lnSpc>
-                <a:spcPct val="100000"/>
-              </a:lnSpc>
-              <a:spcBef>
-                <a:spcPts val="0"/>
-              </a:spcBef>
-              <a:spcAft>
-                <a:spcPts val="0"/>
-              </a:spcAft>
-              <a:buSzPts val="1400"/>
-              <a:buNone/>
-              <a:defRPr/>
-            </a:lvl5pPr>
-            <a:lvl6pPr lvl="5" algn="ctr" rtl="0">
-              <a:lnSpc>
-                <a:spcPct val="100000"/>
-              </a:lnSpc>
-              <a:spcBef>
-                <a:spcPts val="0"/>
-              </a:spcBef>
-              <a:spcAft>
-                <a:spcPts val="0"/>
-              </a:spcAft>
-              <a:buSzPts val="1400"/>
-              <a:buNone/>
-              <a:defRPr/>
-            </a:lvl6pPr>
-            <a:lvl7pPr lvl="6" algn="ctr" rtl="0">
-              <a:lnSpc>
-                <a:spcPct val="100000"/>
-              </a:lnSpc>
-              <a:spcBef>
-                <a:spcPts val="0"/>
-              </a:spcBef>
-              <a:spcAft>
-                <a:spcPts val="0"/>
-              </a:spcAft>
-              <a:buSzPts val="1400"/>
-              <a:buNone/>
-              <a:defRPr/>
-            </a:lvl7pPr>
-            <a:lvl8pPr lvl="7" algn="ctr" rtl="0">
-              <a:lnSpc>
-                <a:spcPct val="100000"/>
-              </a:lnSpc>
-              <a:spcBef>
-                <a:spcPts val="0"/>
-              </a:spcBef>
-              <a:spcAft>
-                <a:spcPts val="0"/>
-              </a:spcAft>
-              <a:buSzPts val="1400"/>
-              <a:buNone/>
-              <a:defRPr/>
-            </a:lvl8pPr>
-            <a:lvl9pPr lvl="8" algn="ctr" rtl="0">
-              <a:lnSpc>
-                <a:spcPct val="100000"/>
-              </a:lnSpc>
-              <a:spcBef>
-                <a:spcPts val="0"/>
-              </a:spcBef>
-              <a:spcAft>
-                <a:spcPts val="0"/>
-              </a:spcAft>
-              <a:buSzPts val="1400"/>
-              <a:buNone/>
-              <a:defRPr/>
-            </a:lvl9pPr>
-          </a:lstStyle>
-          <a:p>
-            <a:endParaRPr/>
-          </a:p>
-        </p:txBody>
-      </p:sp>
-      <p:sp>
-        <p:nvSpPr>
-          <p:cNvPr id="60" name="Google Shape;60;p13"/>
-          <p:cNvSpPr txBox="1">
-            <a:spLocks noGrp="1"/>
-          </p:cNvSpPr>
-          <p:nvPr>
-            <p:ph type="subTitle" idx="4"/>
-          </p:nvPr>
-        </p:nvSpPr>
-        <p:spPr>
-          <a:xfrm>
-            <a:off x="3448650" y="3976891"/>
-            <a:ext cx="2246700" cy="572700"/>
-          </a:xfrm>
-          <a:prstGeom prst="rect">
-            <a:avLst/>
-          </a:prstGeom>
-        </p:spPr>
-        <p:txBody>
-          <a:bodyPr spcFirstLastPara="1" wrap="square" lIns="91425" tIns="91425" rIns="91425" bIns="91425" anchor="t" anchorCtr="0">
-            <a:noAutofit/>
-          </a:bodyPr>
-          <a:lstStyle>
-            <a:lvl1pPr lvl="0" algn="ctr" rtl="0">
-              <a:spcBef>
-                <a:spcPts val="0"/>
-              </a:spcBef>
-              <a:spcAft>
-                <a:spcPts val="0"/>
-              </a:spcAft>
-              <a:buSzPts val="1400"/>
-              <a:buNone/>
-              <a:defRPr sz="1400"/>
-            </a:lvl1pPr>
-            <a:lvl2pPr lvl="1" algn="ctr" rtl="0">
-              <a:lnSpc>
-                <a:spcPct val="100000"/>
-              </a:lnSpc>
-              <a:spcBef>
-                <a:spcPts val="0"/>
-              </a:spcBef>
-              <a:spcAft>
-                <a:spcPts val="0"/>
-              </a:spcAft>
-              <a:buSzPts val="1400"/>
-              <a:buNone/>
-              <a:defRPr/>
-            </a:lvl2pPr>
-            <a:lvl3pPr lvl="2" algn="ctr" rtl="0">
-              <a:lnSpc>
-                <a:spcPct val="100000"/>
-              </a:lnSpc>
-              <a:spcBef>
-                <a:spcPts val="0"/>
-              </a:spcBef>
-              <a:spcAft>
-                <a:spcPts val="0"/>
-              </a:spcAft>
-              <a:buSzPts val="1400"/>
-              <a:buNone/>
-              <a:defRPr/>
-            </a:lvl3pPr>
-            <a:lvl4pPr lvl="3" algn="ctr" rtl="0">
-              <a:lnSpc>
-                <a:spcPct val="100000"/>
-              </a:lnSpc>
-              <a:spcBef>
-                <a:spcPts val="0"/>
-              </a:spcBef>
-              <a:spcAft>
-                <a:spcPts val="0"/>
-              </a:spcAft>
-              <a:buSzPts val="1400"/>
-              <a:buNone/>
-              <a:defRPr/>
-            </a:lvl4pPr>
-            <a:lvl5pPr lvl="4" algn="ctr" rtl="0">
-              <a:lnSpc>
-                <a:spcPct val="100000"/>
-              </a:lnSpc>
-              <a:spcBef>
-                <a:spcPts val="0"/>
-              </a:spcBef>
-              <a:spcAft>
-                <a:spcPts val="0"/>
-              </a:spcAft>
-              <a:buSzPts val="1400"/>
-              <a:buNone/>
-              <a:defRPr/>
-            </a:lvl5pPr>
-            <a:lvl6pPr lvl="5" algn="ctr" rtl="0">
-              <a:lnSpc>
-                <a:spcPct val="100000"/>
-              </a:lnSpc>
-              <a:spcBef>
-                <a:spcPts val="0"/>
-              </a:spcBef>
-              <a:spcAft>
-                <a:spcPts val="0"/>
-              </a:spcAft>
-              <a:buSzPts val="1400"/>
-              <a:buNone/>
-              <a:defRPr/>
-            </a:lvl6pPr>
-            <a:lvl7pPr lvl="6" algn="ctr" rtl="0">
-              <a:lnSpc>
-                <a:spcPct val="100000"/>
-              </a:lnSpc>
-              <a:spcBef>
-                <a:spcPts val="0"/>
-              </a:spcBef>
-              <a:spcAft>
-                <a:spcPts val="0"/>
-              </a:spcAft>
-              <a:buSzPts val="1400"/>
-              <a:buNone/>
-              <a:defRPr/>
-            </a:lvl7pPr>
-            <a:lvl8pPr lvl="7" algn="ctr" rtl="0">
-              <a:lnSpc>
-                <a:spcPct val="100000"/>
-              </a:lnSpc>
-              <a:spcBef>
-                <a:spcPts val="0"/>
-              </a:spcBef>
-              <a:spcAft>
-                <a:spcPts val="0"/>
-              </a:spcAft>
-              <a:buSzPts val="1400"/>
-              <a:buNone/>
-              <a:defRPr/>
-            </a:lvl8pPr>
-            <a:lvl9pPr lvl="8" algn="ctr" rtl="0">
-              <a:lnSpc>
-                <a:spcPct val="100000"/>
-              </a:lnSpc>
-              <a:spcBef>
-                <a:spcPts val="0"/>
-              </a:spcBef>
-              <a:spcAft>
-                <a:spcPts val="0"/>
-              </a:spcAft>
-              <a:buSzPts val="1400"/>
-              <a:buNone/>
-              <a:defRPr/>
-            </a:lvl9pPr>
-          </a:lstStyle>
-          <a:p>
-            <a:endParaRPr/>
-          </a:p>
-        </p:txBody>
-      </p:sp>
-      <p:sp>
-        <p:nvSpPr>
-          <p:cNvPr id="61" name="Google Shape;61;p13"/>
-          <p:cNvSpPr txBox="1">
-            <a:spLocks noGrp="1"/>
-          </p:cNvSpPr>
-          <p:nvPr>
-            <p:ph type="subTitle" idx="5"/>
-          </p:nvPr>
-        </p:nvSpPr>
-        <p:spPr>
-          <a:xfrm>
-            <a:off x="6079129" y="2240379"/>
-            <a:ext cx="2246700" cy="572700"/>
-          </a:xfrm>
-          <a:prstGeom prst="rect">
-            <a:avLst/>
-          </a:prstGeom>
-        </p:spPr>
-        <p:txBody>
-          <a:bodyPr spcFirstLastPara="1" wrap="square" lIns="91425" tIns="91425" rIns="91425" bIns="91425" anchor="t" anchorCtr="0">
-            <a:noAutofit/>
-          </a:bodyPr>
-          <a:lstStyle>
-            <a:lvl1pPr lvl="0" algn="ctr" rtl="0">
-              <a:spcBef>
-                <a:spcPts val="0"/>
-              </a:spcBef>
-              <a:spcAft>
-                <a:spcPts val="0"/>
-              </a:spcAft>
-              <a:buSzPts val="1400"/>
-              <a:buNone/>
-              <a:defRPr sz="1400"/>
-            </a:lvl1pPr>
-            <a:lvl2pPr lvl="1" algn="ctr" rtl="0">
-              <a:lnSpc>
-                <a:spcPct val="100000"/>
-              </a:lnSpc>
-              <a:spcBef>
-                <a:spcPts val="0"/>
-              </a:spcBef>
-              <a:spcAft>
-                <a:spcPts val="0"/>
-              </a:spcAft>
-              <a:buSzPts val="1400"/>
-              <a:buNone/>
-              <a:defRPr/>
-            </a:lvl2pPr>
-            <a:lvl3pPr lvl="2" algn="ctr" rtl="0">
-              <a:lnSpc>
-                <a:spcPct val="100000"/>
-              </a:lnSpc>
-              <a:spcBef>
-                <a:spcPts val="0"/>
-              </a:spcBef>
-              <a:spcAft>
-                <a:spcPts val="0"/>
-              </a:spcAft>
-              <a:buSzPts val="1400"/>
-              <a:buNone/>
-              <a:defRPr/>
-            </a:lvl3pPr>
-            <a:lvl4pPr lvl="3" algn="ctr" rtl="0">
-              <a:lnSpc>
-                <a:spcPct val="100000"/>
-              </a:lnSpc>
-              <a:spcBef>
-                <a:spcPts val="0"/>
-              </a:spcBef>
-              <a:spcAft>
-                <a:spcPts val="0"/>
-              </a:spcAft>
-              <a:buSzPts val="1400"/>
-              <a:buNone/>
-              <a:defRPr/>
-            </a:lvl4pPr>
-            <a:lvl5pPr lvl="4" algn="ctr" rtl="0">
-              <a:lnSpc>
-                <a:spcPct val="100000"/>
-              </a:lnSpc>
-              <a:spcBef>
-                <a:spcPts val="0"/>
-              </a:spcBef>
-              <a:spcAft>
-                <a:spcPts val="0"/>
-              </a:spcAft>
-              <a:buSzPts val="1400"/>
-              <a:buNone/>
-              <a:defRPr/>
-            </a:lvl5pPr>
-            <a:lvl6pPr lvl="5" algn="ctr" rtl="0">
-              <a:lnSpc>
-                <a:spcPct val="100000"/>
-              </a:lnSpc>
-              <a:spcBef>
-                <a:spcPts val="0"/>
-              </a:spcBef>
-              <a:spcAft>
-                <a:spcPts val="0"/>
-              </a:spcAft>
-              <a:buSzPts val="1400"/>
-              <a:buNone/>
-              <a:defRPr/>
-            </a:lvl6pPr>
-            <a:lvl7pPr lvl="6" algn="ctr" rtl="0">
-              <a:lnSpc>
-                <a:spcPct val="100000"/>
-              </a:lnSpc>
-              <a:spcBef>
-                <a:spcPts val="0"/>
-              </a:spcBef>
-              <a:spcAft>
-                <a:spcPts val="0"/>
-              </a:spcAft>
-              <a:buSzPts val="1400"/>
-              <a:buNone/>
-              <a:defRPr/>
-            </a:lvl7pPr>
-            <a:lvl8pPr lvl="7" algn="ctr" rtl="0">
-              <a:lnSpc>
-                <a:spcPct val="100000"/>
-              </a:lnSpc>
-              <a:spcBef>
-                <a:spcPts val="0"/>
-              </a:spcBef>
-              <a:spcAft>
-                <a:spcPts val="0"/>
-              </a:spcAft>
-              <a:buSzPts val="1400"/>
-              <a:buNone/>
-              <a:defRPr/>
-            </a:lvl8pPr>
-            <a:lvl9pPr lvl="8" algn="ctr" rtl="0">
-              <a:lnSpc>
-                <a:spcPct val="100000"/>
-              </a:lnSpc>
-              <a:spcBef>
-                <a:spcPts val="0"/>
-              </a:spcBef>
-              <a:spcAft>
-                <a:spcPts val="0"/>
-              </a:spcAft>
-              <a:buSzPts val="1400"/>
-              <a:buNone/>
-              <a:defRPr/>
-            </a:lvl9pPr>
-          </a:lstStyle>
-          <a:p>
-            <a:endParaRPr/>
-          </a:p>
-        </p:txBody>
-      </p:sp>
-      <p:sp>
-        <p:nvSpPr>
-          <p:cNvPr id="62" name="Google Shape;62;p13"/>
-          <p:cNvSpPr txBox="1">
-            <a:spLocks noGrp="1"/>
-          </p:cNvSpPr>
-          <p:nvPr>
-            <p:ph type="subTitle" idx="6"/>
-          </p:nvPr>
-        </p:nvSpPr>
-        <p:spPr>
-          <a:xfrm>
-            <a:off x="6079129" y="3976891"/>
-            <a:ext cx="2246700" cy="572700"/>
-          </a:xfrm>
-          <a:prstGeom prst="rect">
-            <a:avLst/>
-          </a:prstGeom>
-        </p:spPr>
-        <p:txBody>
-          <a:bodyPr spcFirstLastPara="1" wrap="square" lIns="91425" tIns="91425" rIns="91425" bIns="91425" anchor="t" anchorCtr="0">
-            <a:noAutofit/>
-          </a:bodyPr>
-          <a:lstStyle>
-            <a:lvl1pPr lvl="0" algn="ctr" rtl="0">
-              <a:spcBef>
-                <a:spcPts val="0"/>
-              </a:spcBef>
-              <a:spcAft>
-                <a:spcPts val="0"/>
-              </a:spcAft>
-              <a:buSzPts val="1400"/>
-              <a:buNone/>
-              <a:defRPr sz="1400"/>
-            </a:lvl1pPr>
-            <a:lvl2pPr lvl="1" algn="ctr" rtl="0">
-              <a:lnSpc>
-                <a:spcPct val="100000"/>
-              </a:lnSpc>
-              <a:spcBef>
-                <a:spcPts val="0"/>
-              </a:spcBef>
-              <a:spcAft>
-                <a:spcPts val="0"/>
-              </a:spcAft>
-              <a:buSzPts val="1400"/>
-              <a:buNone/>
-              <a:defRPr/>
-            </a:lvl2pPr>
-            <a:lvl3pPr lvl="2" algn="ctr" rtl="0">
-              <a:lnSpc>
-                <a:spcPct val="100000"/>
-              </a:lnSpc>
-              <a:spcBef>
-                <a:spcPts val="0"/>
-              </a:spcBef>
-              <a:spcAft>
-                <a:spcPts val="0"/>
-              </a:spcAft>
-              <a:buSzPts val="1400"/>
-              <a:buNone/>
-              <a:defRPr/>
-            </a:lvl3pPr>
-            <a:lvl4pPr lvl="3" algn="ctr" rtl="0">
-              <a:lnSpc>
-                <a:spcPct val="100000"/>
-              </a:lnSpc>
-              <a:spcBef>
-                <a:spcPts val="0"/>
-              </a:spcBef>
-              <a:spcAft>
-                <a:spcPts val="0"/>
-              </a:spcAft>
-              <a:buSzPts val="1400"/>
-              <a:buNone/>
-              <a:defRPr/>
-            </a:lvl4pPr>
-            <a:lvl5pPr lvl="4" algn="ctr" rtl="0">
-              <a:lnSpc>
-                <a:spcPct val="100000"/>
-              </a:lnSpc>
-              <a:spcBef>
-                <a:spcPts val="0"/>
-              </a:spcBef>
-              <a:spcAft>
-                <a:spcPts val="0"/>
-              </a:spcAft>
-              <a:buSzPts val="1400"/>
-              <a:buNone/>
-              <a:defRPr/>
-            </a:lvl5pPr>
-            <a:lvl6pPr lvl="5" algn="ctr" rtl="0">
-              <a:lnSpc>
-                <a:spcPct val="100000"/>
-              </a:lnSpc>
-              <a:spcBef>
-                <a:spcPts val="0"/>
-              </a:spcBef>
-              <a:spcAft>
-                <a:spcPts val="0"/>
-              </a:spcAft>
-              <a:buSzPts val="1400"/>
-              <a:buNone/>
-              <a:defRPr/>
-            </a:lvl6pPr>
-            <a:lvl7pPr lvl="6" algn="ctr" rtl="0">
-              <a:lnSpc>
-                <a:spcPct val="100000"/>
-              </a:lnSpc>
-              <a:spcBef>
-                <a:spcPts val="0"/>
-              </a:spcBef>
-              <a:spcAft>
-                <a:spcPts val="0"/>
-              </a:spcAft>
-              <a:buSzPts val="1400"/>
-              <a:buNone/>
-              <a:defRPr/>
-            </a:lvl7pPr>
-            <a:lvl8pPr lvl="7" algn="ctr" rtl="0">
-              <a:lnSpc>
-                <a:spcPct val="100000"/>
-              </a:lnSpc>
-              <a:spcBef>
-                <a:spcPts val="0"/>
-              </a:spcBef>
-              <a:spcAft>
-                <a:spcPts val="0"/>
-              </a:spcAft>
-              <a:buSzPts val="1400"/>
-              <a:buNone/>
-              <a:defRPr/>
-            </a:lvl8pPr>
-            <a:lvl9pPr lvl="8" algn="ctr" rtl="0">
-              <a:lnSpc>
-                <a:spcPct val="100000"/>
-              </a:lnSpc>
-              <a:spcBef>
-                <a:spcPts val="0"/>
-              </a:spcBef>
-              <a:spcAft>
-                <a:spcPts val="0"/>
-              </a:spcAft>
-              <a:buSzPts val="1400"/>
-              <a:buNone/>
-              <a:defRPr/>
-            </a:lvl9pPr>
-          </a:lstStyle>
-          <a:p>
-            <a:endParaRPr/>
-          </a:p>
-        </p:txBody>
-      </p:sp>
-      <p:sp>
-        <p:nvSpPr>
-          <p:cNvPr id="63" name="Google Shape;63;p13"/>
-          <p:cNvSpPr txBox="1">
-            <a:spLocks noGrp="1"/>
-          </p:cNvSpPr>
-          <p:nvPr>
-            <p:ph type="title" hasCustomPrompt="1"/>
-          </p:nvPr>
-        </p:nvSpPr>
-        <p:spPr>
-          <a:xfrm>
-            <a:off x="1583471" y="1282064"/>
-            <a:ext cx="716100" cy="484800"/>
-          </a:xfrm>
-          <a:prstGeom prst="rect">
-            <a:avLst/>
-          </a:prstGeom>
-          <a:solidFill>
-            <a:schemeClr val="dk2"/>
-          </a:solidFill>
-          <a:ln w="28575" cap="flat" cmpd="sng">
-            <a:solidFill>
-              <a:schemeClr val="dk1"/>
-            </a:solidFill>
-            <a:prstDash val="solid"/>
-            <a:round/>
-            <a:headEnd type="none" w="sm" len="sm"/>
-            <a:tailEnd type="none" w="sm" len="sm"/>
-          </a:ln>
-        </p:spPr>
-        <p:txBody>
-          <a:bodyPr spcFirstLastPara="1" wrap="square" lIns="91425" tIns="91425" rIns="91425" bIns="91425" anchor="ctr" anchorCtr="0">
-            <a:noAutofit/>
-          </a:bodyPr>
-          <a:lstStyle>
-            <a:lvl1pPr lvl="0" algn="ctr" rtl="0">
-              <a:spcBef>
-                <a:spcPts val="0"/>
-              </a:spcBef>
-              <a:spcAft>
-                <a:spcPts val="0"/>
-              </a:spcAft>
-              <a:buSzPts val="3000"/>
-              <a:buNone/>
-              <a:defRPr sz="2500">
-                <a:solidFill>
-                  <a:schemeClr val="lt1"/>
-                </a:solidFill>
-              </a:defRPr>
-            </a:lvl1pPr>
-            <a:lvl2pPr lvl="1" rtl="0">
-              <a:spcBef>
-                <a:spcPts val="0"/>
-              </a:spcBef>
-              <a:spcAft>
-                <a:spcPts val="0"/>
-              </a:spcAft>
-              <a:buSzPts val="3000"/>
-              <a:buNone/>
-              <a:defRPr sz="3000"/>
-            </a:lvl2pPr>
-            <a:lvl3pPr lvl="2" rtl="0">
-              <a:spcBef>
-                <a:spcPts val="0"/>
-              </a:spcBef>
-              <a:spcAft>
-                <a:spcPts val="0"/>
-              </a:spcAft>
-              <a:buSzPts val="3000"/>
-              <a:buNone/>
-              <a:defRPr sz="3000"/>
-            </a:lvl3pPr>
-            <a:lvl4pPr lvl="3" rtl="0">
-              <a:spcBef>
-                <a:spcPts val="0"/>
-              </a:spcBef>
-              <a:spcAft>
-                <a:spcPts val="0"/>
-              </a:spcAft>
-              <a:buSzPts val="3000"/>
-              <a:buNone/>
-              <a:defRPr sz="3000"/>
-            </a:lvl4pPr>
-            <a:lvl5pPr lvl="4" rtl="0">
-              <a:spcBef>
-                <a:spcPts val="0"/>
-              </a:spcBef>
-              <a:spcAft>
-                <a:spcPts val="0"/>
-              </a:spcAft>
-              <a:buSzPts val="3000"/>
-              <a:buNone/>
-              <a:defRPr sz="3000"/>
-            </a:lvl5pPr>
-            <a:lvl6pPr lvl="5" rtl="0">
-              <a:spcBef>
-                <a:spcPts val="0"/>
-              </a:spcBef>
-              <a:spcAft>
-                <a:spcPts val="0"/>
-              </a:spcAft>
-              <a:buSzPts val="3000"/>
-              <a:buNone/>
-              <a:defRPr sz="3000"/>
-            </a:lvl6pPr>
-            <a:lvl7pPr lvl="6" rtl="0">
-              <a:spcBef>
-                <a:spcPts val="0"/>
-              </a:spcBef>
-              <a:spcAft>
-                <a:spcPts val="0"/>
-              </a:spcAft>
-              <a:buSzPts val="3000"/>
-              <a:buNone/>
-              <a:defRPr sz="3000"/>
-            </a:lvl7pPr>
-            <a:lvl8pPr lvl="7" rtl="0">
-              <a:spcBef>
-                <a:spcPts val="0"/>
-              </a:spcBef>
-              <a:spcAft>
-                <a:spcPts val="0"/>
-              </a:spcAft>
-              <a:buSzPts val="3000"/>
-              <a:buNone/>
-              <a:defRPr sz="3000"/>
-            </a:lvl8pPr>
-            <a:lvl9pPr lvl="8" rtl="0">
-              <a:spcBef>
-                <a:spcPts val="0"/>
-              </a:spcBef>
-              <a:spcAft>
-                <a:spcPts val="0"/>
-              </a:spcAft>
-              <a:buSzPts val="3000"/>
-              <a:buNone/>
-              <a:defRPr sz="3000"/>
-            </a:lvl9pPr>
-          </a:lstStyle>
-          <a:p>
-            <a:r>
-              <a:t>xx%</a:t>
-            </a:r>
-          </a:p>
-        </p:txBody>
-      </p:sp>
-      <p:sp>
-        <p:nvSpPr>
-          <p:cNvPr id="64" name="Google Shape;64;p13"/>
-          <p:cNvSpPr txBox="1">
-            <a:spLocks noGrp="1"/>
-          </p:cNvSpPr>
-          <p:nvPr>
-            <p:ph type="title" idx="7" hasCustomPrompt="1"/>
-          </p:nvPr>
-        </p:nvSpPr>
-        <p:spPr>
-          <a:xfrm>
-            <a:off x="1583471" y="3018089"/>
-            <a:ext cx="716100" cy="484800"/>
-          </a:xfrm>
-          <a:prstGeom prst="rect">
-            <a:avLst/>
-          </a:prstGeom>
-          <a:solidFill>
-            <a:schemeClr val="dk2"/>
-          </a:solidFill>
-          <a:ln w="28575" cap="flat" cmpd="sng">
-            <a:solidFill>
-              <a:schemeClr val="dk1"/>
-            </a:solidFill>
-            <a:prstDash val="solid"/>
-            <a:round/>
-            <a:headEnd type="none" w="sm" len="sm"/>
-            <a:tailEnd type="none" w="sm" len="sm"/>
-          </a:ln>
-        </p:spPr>
-        <p:txBody>
-          <a:bodyPr spcFirstLastPara="1" wrap="square" lIns="91425" tIns="91425" rIns="91425" bIns="91425" anchor="ctr" anchorCtr="0">
-            <a:noAutofit/>
-          </a:bodyPr>
-          <a:lstStyle>
-            <a:lvl1pPr lvl="0" algn="ctr" rtl="0">
-              <a:spcBef>
-                <a:spcPts val="0"/>
-              </a:spcBef>
-              <a:spcAft>
-                <a:spcPts val="0"/>
-              </a:spcAft>
-              <a:buSzPts val="3000"/>
-              <a:buNone/>
-              <a:defRPr sz="2500">
-                <a:solidFill>
-                  <a:schemeClr val="lt1"/>
-                </a:solidFill>
-              </a:defRPr>
-            </a:lvl1pPr>
-            <a:lvl2pPr lvl="1" rtl="0">
-              <a:spcBef>
-                <a:spcPts val="0"/>
-              </a:spcBef>
-              <a:spcAft>
-                <a:spcPts val="0"/>
-              </a:spcAft>
-              <a:buSzPts val="3000"/>
-              <a:buNone/>
-              <a:defRPr sz="3000"/>
-            </a:lvl2pPr>
-            <a:lvl3pPr lvl="2" rtl="0">
-              <a:spcBef>
-                <a:spcPts val="0"/>
-              </a:spcBef>
-              <a:spcAft>
-                <a:spcPts val="0"/>
-              </a:spcAft>
-              <a:buSzPts val="3000"/>
-              <a:buNone/>
-              <a:defRPr sz="3000"/>
-            </a:lvl3pPr>
-            <a:lvl4pPr lvl="3" rtl="0">
-              <a:spcBef>
-                <a:spcPts val="0"/>
-              </a:spcBef>
-              <a:spcAft>
-                <a:spcPts val="0"/>
-              </a:spcAft>
-              <a:buSzPts val="3000"/>
-              <a:buNone/>
-              <a:defRPr sz="3000"/>
-            </a:lvl4pPr>
-            <a:lvl5pPr lvl="4" rtl="0">
-              <a:spcBef>
-                <a:spcPts val="0"/>
-              </a:spcBef>
-              <a:spcAft>
-                <a:spcPts val="0"/>
-              </a:spcAft>
-              <a:buSzPts val="3000"/>
-              <a:buNone/>
-              <a:defRPr sz="3000"/>
-            </a:lvl5pPr>
-            <a:lvl6pPr lvl="5" rtl="0">
-              <a:spcBef>
-                <a:spcPts val="0"/>
-              </a:spcBef>
-              <a:spcAft>
-                <a:spcPts val="0"/>
-              </a:spcAft>
-              <a:buSzPts val="3000"/>
-              <a:buNone/>
-              <a:defRPr sz="3000"/>
-            </a:lvl6pPr>
-            <a:lvl7pPr lvl="6" rtl="0">
-              <a:spcBef>
-                <a:spcPts val="0"/>
-              </a:spcBef>
-              <a:spcAft>
-                <a:spcPts val="0"/>
-              </a:spcAft>
-              <a:buSzPts val="3000"/>
-              <a:buNone/>
-              <a:defRPr sz="3000"/>
-            </a:lvl7pPr>
-            <a:lvl8pPr lvl="7" rtl="0">
-              <a:spcBef>
-                <a:spcPts val="0"/>
-              </a:spcBef>
-              <a:spcAft>
-                <a:spcPts val="0"/>
-              </a:spcAft>
-              <a:buSzPts val="3000"/>
-              <a:buNone/>
-              <a:defRPr sz="3000"/>
-            </a:lvl8pPr>
-            <a:lvl9pPr lvl="8" rtl="0">
-              <a:spcBef>
-                <a:spcPts val="0"/>
-              </a:spcBef>
-              <a:spcAft>
-                <a:spcPts val="0"/>
-              </a:spcAft>
-              <a:buSzPts val="3000"/>
-              <a:buNone/>
-              <a:defRPr sz="3000"/>
-            </a:lvl9pPr>
-          </a:lstStyle>
-          <a:p>
-            <a:r>
-              <a:t>xx%</a:t>
-            </a:r>
-          </a:p>
-        </p:txBody>
-      </p:sp>
-      <p:sp>
-        <p:nvSpPr>
-          <p:cNvPr id="65" name="Google Shape;65;p13"/>
-          <p:cNvSpPr txBox="1">
-            <a:spLocks noGrp="1"/>
-          </p:cNvSpPr>
-          <p:nvPr>
-            <p:ph type="title" idx="8" hasCustomPrompt="1"/>
-          </p:nvPr>
-        </p:nvSpPr>
-        <p:spPr>
-          <a:xfrm>
-            <a:off x="4213950" y="1282064"/>
-            <a:ext cx="716100" cy="484800"/>
-          </a:xfrm>
-          <a:prstGeom prst="rect">
-            <a:avLst/>
-          </a:prstGeom>
-          <a:solidFill>
-            <a:schemeClr val="dk2"/>
-          </a:solidFill>
-          <a:ln w="28575" cap="flat" cmpd="sng">
-            <a:solidFill>
-              <a:schemeClr val="dk1"/>
-            </a:solidFill>
-            <a:prstDash val="solid"/>
-            <a:round/>
-            <a:headEnd type="none" w="sm" len="sm"/>
-            <a:tailEnd type="none" w="sm" len="sm"/>
-          </a:ln>
-        </p:spPr>
-        <p:txBody>
-          <a:bodyPr spcFirstLastPara="1" wrap="square" lIns="91425" tIns="91425" rIns="91425" bIns="91425" anchor="ctr" anchorCtr="0">
-            <a:noAutofit/>
-          </a:bodyPr>
-          <a:lstStyle>
-            <a:lvl1pPr lvl="0" algn="ctr" rtl="0">
-              <a:spcBef>
-                <a:spcPts val="0"/>
-              </a:spcBef>
-              <a:spcAft>
-                <a:spcPts val="0"/>
-              </a:spcAft>
-              <a:buSzPts val="3000"/>
-              <a:buNone/>
-              <a:defRPr sz="2500">
-                <a:solidFill>
-                  <a:schemeClr val="lt1"/>
-                </a:solidFill>
-              </a:defRPr>
-            </a:lvl1pPr>
-            <a:lvl2pPr lvl="1" rtl="0">
-              <a:spcBef>
-                <a:spcPts val="0"/>
-              </a:spcBef>
-              <a:spcAft>
-                <a:spcPts val="0"/>
-              </a:spcAft>
-              <a:buSzPts val="3000"/>
-              <a:buNone/>
-              <a:defRPr sz="3000"/>
-            </a:lvl2pPr>
-            <a:lvl3pPr lvl="2" rtl="0">
-              <a:spcBef>
-                <a:spcPts val="0"/>
-              </a:spcBef>
-              <a:spcAft>
-                <a:spcPts val="0"/>
-              </a:spcAft>
-              <a:buSzPts val="3000"/>
-              <a:buNone/>
-              <a:defRPr sz="3000"/>
-            </a:lvl3pPr>
-            <a:lvl4pPr lvl="3" rtl="0">
-              <a:spcBef>
-                <a:spcPts val="0"/>
-              </a:spcBef>
-              <a:spcAft>
-                <a:spcPts val="0"/>
-              </a:spcAft>
-              <a:buSzPts val="3000"/>
-              <a:buNone/>
-              <a:defRPr sz="3000"/>
-            </a:lvl4pPr>
-            <a:lvl5pPr lvl="4" rtl="0">
-              <a:spcBef>
-                <a:spcPts val="0"/>
-              </a:spcBef>
-              <a:spcAft>
-                <a:spcPts val="0"/>
-              </a:spcAft>
-              <a:buSzPts val="3000"/>
-              <a:buNone/>
-              <a:defRPr sz="3000"/>
-            </a:lvl5pPr>
-            <a:lvl6pPr lvl="5" rtl="0">
-              <a:spcBef>
-                <a:spcPts val="0"/>
-              </a:spcBef>
-              <a:spcAft>
-                <a:spcPts val="0"/>
-              </a:spcAft>
-              <a:buSzPts val="3000"/>
-              <a:buNone/>
-              <a:defRPr sz="3000"/>
-            </a:lvl6pPr>
-            <a:lvl7pPr lvl="6" rtl="0">
-              <a:spcBef>
-                <a:spcPts val="0"/>
-              </a:spcBef>
-              <a:spcAft>
-                <a:spcPts val="0"/>
-              </a:spcAft>
-              <a:buSzPts val="3000"/>
-              <a:buNone/>
-              <a:defRPr sz="3000"/>
-            </a:lvl7pPr>
-            <a:lvl8pPr lvl="7" rtl="0">
-              <a:spcBef>
-                <a:spcPts val="0"/>
-              </a:spcBef>
-              <a:spcAft>
-                <a:spcPts val="0"/>
-              </a:spcAft>
-              <a:buSzPts val="3000"/>
-              <a:buNone/>
-              <a:defRPr sz="3000"/>
-            </a:lvl8pPr>
-            <a:lvl9pPr lvl="8" rtl="0">
-              <a:spcBef>
-                <a:spcPts val="0"/>
-              </a:spcBef>
-              <a:spcAft>
-                <a:spcPts val="0"/>
-              </a:spcAft>
-              <a:buSzPts val="3000"/>
-              <a:buNone/>
-              <a:defRPr sz="3000"/>
-            </a:lvl9pPr>
-          </a:lstStyle>
-          <a:p>
-            <a:r>
-              <a:t>xx%</a:t>
-            </a:r>
-          </a:p>
-        </p:txBody>
-      </p:sp>
-      <p:sp>
-        <p:nvSpPr>
-          <p:cNvPr id="66" name="Google Shape;66;p13"/>
-          <p:cNvSpPr txBox="1">
-            <a:spLocks noGrp="1"/>
-          </p:cNvSpPr>
-          <p:nvPr>
-            <p:ph type="title" idx="9" hasCustomPrompt="1"/>
-          </p:nvPr>
-        </p:nvSpPr>
-        <p:spPr>
-          <a:xfrm>
-            <a:off x="4213950" y="3018089"/>
-            <a:ext cx="716100" cy="484800"/>
-          </a:xfrm>
-          <a:prstGeom prst="rect">
-            <a:avLst/>
-          </a:prstGeom>
-          <a:solidFill>
-            <a:schemeClr val="dk2"/>
-          </a:solidFill>
-          <a:ln w="28575" cap="flat" cmpd="sng">
-            <a:solidFill>
-              <a:schemeClr val="dk1"/>
-            </a:solidFill>
-            <a:prstDash val="solid"/>
-            <a:round/>
-            <a:headEnd type="none" w="sm" len="sm"/>
-            <a:tailEnd type="none" w="sm" len="sm"/>
-          </a:ln>
-        </p:spPr>
-        <p:txBody>
-          <a:bodyPr spcFirstLastPara="1" wrap="square" lIns="91425" tIns="91425" rIns="91425" bIns="91425" anchor="ctr" anchorCtr="0">
-            <a:noAutofit/>
-          </a:bodyPr>
-          <a:lstStyle>
-            <a:lvl1pPr lvl="0" algn="ctr" rtl="0">
-              <a:spcBef>
-                <a:spcPts val="0"/>
-              </a:spcBef>
-              <a:spcAft>
-                <a:spcPts val="0"/>
-              </a:spcAft>
-              <a:buSzPts val="3000"/>
-              <a:buNone/>
-              <a:defRPr sz="2500">
-                <a:solidFill>
-                  <a:schemeClr val="lt1"/>
-                </a:solidFill>
-              </a:defRPr>
-            </a:lvl1pPr>
-            <a:lvl2pPr lvl="1" rtl="0">
-              <a:spcBef>
-                <a:spcPts val="0"/>
-              </a:spcBef>
-              <a:spcAft>
-                <a:spcPts val="0"/>
-              </a:spcAft>
-              <a:buSzPts val="3000"/>
-              <a:buNone/>
-              <a:defRPr sz="3000"/>
-            </a:lvl2pPr>
-            <a:lvl3pPr lvl="2" rtl="0">
-              <a:spcBef>
-                <a:spcPts val="0"/>
-              </a:spcBef>
-              <a:spcAft>
-                <a:spcPts val="0"/>
-              </a:spcAft>
-              <a:buSzPts val="3000"/>
-              <a:buNone/>
-              <a:defRPr sz="3000"/>
-            </a:lvl3pPr>
-            <a:lvl4pPr lvl="3" rtl="0">
-              <a:spcBef>
-                <a:spcPts val="0"/>
-              </a:spcBef>
-              <a:spcAft>
-                <a:spcPts val="0"/>
-              </a:spcAft>
-              <a:buSzPts val="3000"/>
-              <a:buNone/>
-              <a:defRPr sz="3000"/>
-            </a:lvl4pPr>
-            <a:lvl5pPr lvl="4" rtl="0">
-              <a:spcBef>
-                <a:spcPts val="0"/>
-              </a:spcBef>
-              <a:spcAft>
-                <a:spcPts val="0"/>
-              </a:spcAft>
-              <a:buSzPts val="3000"/>
-              <a:buNone/>
-              <a:defRPr sz="3000"/>
-            </a:lvl5pPr>
-            <a:lvl6pPr lvl="5" rtl="0">
-              <a:spcBef>
-                <a:spcPts val="0"/>
-              </a:spcBef>
-              <a:spcAft>
-                <a:spcPts val="0"/>
-              </a:spcAft>
-              <a:buSzPts val="3000"/>
-              <a:buNone/>
-              <a:defRPr sz="3000"/>
-            </a:lvl6pPr>
-            <a:lvl7pPr lvl="6" rtl="0">
-              <a:spcBef>
-                <a:spcPts val="0"/>
-              </a:spcBef>
-              <a:spcAft>
-                <a:spcPts val="0"/>
-              </a:spcAft>
-              <a:buSzPts val="3000"/>
-              <a:buNone/>
-              <a:defRPr sz="3000"/>
-            </a:lvl7pPr>
-            <a:lvl8pPr lvl="7" rtl="0">
-              <a:spcBef>
-                <a:spcPts val="0"/>
-              </a:spcBef>
-              <a:spcAft>
-                <a:spcPts val="0"/>
-              </a:spcAft>
-              <a:buSzPts val="3000"/>
-              <a:buNone/>
-              <a:defRPr sz="3000"/>
-            </a:lvl8pPr>
-            <a:lvl9pPr lvl="8" rtl="0">
-              <a:spcBef>
-                <a:spcPts val="0"/>
-              </a:spcBef>
-              <a:spcAft>
-                <a:spcPts val="0"/>
-              </a:spcAft>
-              <a:buSzPts val="3000"/>
-              <a:buNone/>
-              <a:defRPr sz="3000"/>
-            </a:lvl9pPr>
-          </a:lstStyle>
-          <a:p>
-            <a:r>
-              <a:t>xx%</a:t>
-            </a:r>
-          </a:p>
-        </p:txBody>
-      </p:sp>
-      <p:sp>
-        <p:nvSpPr>
-          <p:cNvPr id="67" name="Google Shape;67;p13"/>
-          <p:cNvSpPr txBox="1">
-            <a:spLocks noGrp="1"/>
-          </p:cNvSpPr>
-          <p:nvPr>
-            <p:ph type="title" idx="13" hasCustomPrompt="1"/>
-          </p:nvPr>
-        </p:nvSpPr>
-        <p:spPr>
-          <a:xfrm>
-            <a:off x="6844429" y="1282064"/>
-            <a:ext cx="716100" cy="484800"/>
-          </a:xfrm>
-          <a:prstGeom prst="rect">
-            <a:avLst/>
-          </a:prstGeom>
-          <a:solidFill>
-            <a:schemeClr val="dk2"/>
-          </a:solidFill>
-          <a:ln w="28575" cap="flat" cmpd="sng">
-            <a:solidFill>
-              <a:schemeClr val="dk1"/>
-            </a:solidFill>
-            <a:prstDash val="solid"/>
-            <a:round/>
-            <a:headEnd type="none" w="sm" len="sm"/>
-            <a:tailEnd type="none" w="sm" len="sm"/>
-          </a:ln>
-        </p:spPr>
-        <p:txBody>
-          <a:bodyPr spcFirstLastPara="1" wrap="square" lIns="91425" tIns="91425" rIns="91425" bIns="91425" anchor="ctr" anchorCtr="0">
-            <a:noAutofit/>
-          </a:bodyPr>
-          <a:lstStyle>
-            <a:lvl1pPr lvl="0" algn="ctr" rtl="0">
-              <a:spcBef>
-                <a:spcPts val="0"/>
-              </a:spcBef>
-              <a:spcAft>
-                <a:spcPts val="0"/>
-              </a:spcAft>
-              <a:buSzPts val="3000"/>
-              <a:buNone/>
-              <a:defRPr sz="2500">
-                <a:solidFill>
-                  <a:schemeClr val="lt1"/>
-                </a:solidFill>
-              </a:defRPr>
-            </a:lvl1pPr>
-            <a:lvl2pPr lvl="1" rtl="0">
-              <a:spcBef>
-                <a:spcPts val="0"/>
-              </a:spcBef>
-              <a:spcAft>
-                <a:spcPts val="0"/>
-              </a:spcAft>
-              <a:buSzPts val="3000"/>
-              <a:buNone/>
-              <a:defRPr sz="3000"/>
-            </a:lvl2pPr>
-            <a:lvl3pPr lvl="2" rtl="0">
-              <a:spcBef>
-                <a:spcPts val="0"/>
-              </a:spcBef>
-              <a:spcAft>
-                <a:spcPts val="0"/>
-              </a:spcAft>
-              <a:buSzPts val="3000"/>
-              <a:buNone/>
-              <a:defRPr sz="3000"/>
-            </a:lvl3pPr>
-            <a:lvl4pPr lvl="3" rtl="0">
-              <a:spcBef>
-                <a:spcPts val="0"/>
-              </a:spcBef>
-              <a:spcAft>
-                <a:spcPts val="0"/>
-              </a:spcAft>
-              <a:buSzPts val="3000"/>
-              <a:buNone/>
-              <a:defRPr sz="3000"/>
-            </a:lvl4pPr>
-            <a:lvl5pPr lvl="4" rtl="0">
-              <a:spcBef>
-                <a:spcPts val="0"/>
-              </a:spcBef>
-              <a:spcAft>
-                <a:spcPts val="0"/>
-              </a:spcAft>
-              <a:buSzPts val="3000"/>
-              <a:buNone/>
-              <a:defRPr sz="3000"/>
-            </a:lvl5pPr>
-            <a:lvl6pPr lvl="5" rtl="0">
-              <a:spcBef>
-                <a:spcPts val="0"/>
-              </a:spcBef>
-              <a:spcAft>
-                <a:spcPts val="0"/>
-              </a:spcAft>
-              <a:buSzPts val="3000"/>
-              <a:buNone/>
-              <a:defRPr sz="3000"/>
-            </a:lvl6pPr>
-            <a:lvl7pPr lvl="6" rtl="0">
-              <a:spcBef>
-                <a:spcPts val="0"/>
-              </a:spcBef>
-              <a:spcAft>
-                <a:spcPts val="0"/>
-              </a:spcAft>
-              <a:buSzPts val="3000"/>
-              <a:buNone/>
-              <a:defRPr sz="3000"/>
-            </a:lvl7pPr>
-            <a:lvl8pPr lvl="7" rtl="0">
-              <a:spcBef>
-                <a:spcPts val="0"/>
-              </a:spcBef>
-              <a:spcAft>
-                <a:spcPts val="0"/>
-              </a:spcAft>
-              <a:buSzPts val="3000"/>
-              <a:buNone/>
-              <a:defRPr sz="3000"/>
-            </a:lvl8pPr>
-            <a:lvl9pPr lvl="8" rtl="0">
-              <a:spcBef>
-                <a:spcPts val="0"/>
-              </a:spcBef>
-              <a:spcAft>
-                <a:spcPts val="0"/>
-              </a:spcAft>
-              <a:buSzPts val="3000"/>
-              <a:buNone/>
-              <a:defRPr sz="3000"/>
-            </a:lvl9pPr>
-          </a:lstStyle>
-          <a:p>
-            <a:r>
-              <a:t>xx%</a:t>
-            </a:r>
-          </a:p>
-        </p:txBody>
-      </p:sp>
-      <p:sp>
-        <p:nvSpPr>
-          <p:cNvPr id="68" name="Google Shape;68;p13"/>
-          <p:cNvSpPr txBox="1">
-            <a:spLocks noGrp="1"/>
-          </p:cNvSpPr>
-          <p:nvPr>
-            <p:ph type="title" idx="14" hasCustomPrompt="1"/>
-          </p:nvPr>
-        </p:nvSpPr>
-        <p:spPr>
-          <a:xfrm>
-            <a:off x="6844429" y="3018089"/>
-            <a:ext cx="716100" cy="484800"/>
-          </a:xfrm>
-          <a:prstGeom prst="rect">
-            <a:avLst/>
-          </a:prstGeom>
-          <a:solidFill>
-            <a:schemeClr val="dk2"/>
-          </a:solidFill>
-          <a:ln w="28575" cap="flat" cmpd="sng">
-            <a:solidFill>
-              <a:schemeClr val="dk1"/>
-            </a:solidFill>
-            <a:prstDash val="solid"/>
-            <a:round/>
-            <a:headEnd type="none" w="sm" len="sm"/>
-            <a:tailEnd type="none" w="sm" len="sm"/>
-          </a:ln>
-        </p:spPr>
-        <p:txBody>
-          <a:bodyPr spcFirstLastPara="1" wrap="square" lIns="91425" tIns="91425" rIns="91425" bIns="91425" anchor="ctr" anchorCtr="0">
-            <a:noAutofit/>
-          </a:bodyPr>
-          <a:lstStyle>
-            <a:lvl1pPr lvl="0" algn="ctr" rtl="0">
-              <a:spcBef>
-                <a:spcPts val="0"/>
-              </a:spcBef>
-              <a:spcAft>
-                <a:spcPts val="0"/>
-              </a:spcAft>
-              <a:buSzPts val="3000"/>
-              <a:buNone/>
-              <a:defRPr sz="2500">
-                <a:solidFill>
-                  <a:schemeClr val="lt1"/>
-                </a:solidFill>
-              </a:defRPr>
-            </a:lvl1pPr>
-            <a:lvl2pPr lvl="1" rtl="0">
-              <a:spcBef>
-                <a:spcPts val="0"/>
-              </a:spcBef>
-              <a:spcAft>
-                <a:spcPts val="0"/>
-              </a:spcAft>
-              <a:buSzPts val="3000"/>
-              <a:buNone/>
-              <a:defRPr sz="3000"/>
-            </a:lvl2pPr>
-            <a:lvl3pPr lvl="2" rtl="0">
-              <a:spcBef>
-                <a:spcPts val="0"/>
-              </a:spcBef>
-              <a:spcAft>
-                <a:spcPts val="0"/>
-              </a:spcAft>
-              <a:buSzPts val="3000"/>
-              <a:buNone/>
-              <a:defRPr sz="3000"/>
-            </a:lvl3pPr>
-            <a:lvl4pPr lvl="3" rtl="0">
-              <a:spcBef>
-                <a:spcPts val="0"/>
-              </a:spcBef>
-              <a:spcAft>
-                <a:spcPts val="0"/>
-              </a:spcAft>
-              <a:buSzPts val="3000"/>
-              <a:buNone/>
-              <a:defRPr sz="3000"/>
-            </a:lvl4pPr>
-            <a:lvl5pPr lvl="4" rtl="0">
-              <a:spcBef>
-                <a:spcPts val="0"/>
-              </a:spcBef>
-              <a:spcAft>
-                <a:spcPts val="0"/>
-              </a:spcAft>
-              <a:buSzPts val="3000"/>
-              <a:buNone/>
-              <a:defRPr sz="3000"/>
-            </a:lvl5pPr>
-            <a:lvl6pPr lvl="5" rtl="0">
-              <a:spcBef>
-                <a:spcPts val="0"/>
-              </a:spcBef>
-              <a:spcAft>
-                <a:spcPts val="0"/>
-              </a:spcAft>
-              <a:buSzPts val="3000"/>
-              <a:buNone/>
-              <a:defRPr sz="3000"/>
-            </a:lvl6pPr>
-            <a:lvl7pPr lvl="6" rtl="0">
-              <a:spcBef>
-                <a:spcPts val="0"/>
-              </a:spcBef>
-              <a:spcAft>
-                <a:spcPts val="0"/>
-              </a:spcAft>
-              <a:buSzPts val="3000"/>
-              <a:buNone/>
-              <a:defRPr sz="3000"/>
-            </a:lvl7pPr>
-            <a:lvl8pPr lvl="7" rtl="0">
-              <a:spcBef>
-                <a:spcPts val="0"/>
-              </a:spcBef>
-              <a:spcAft>
-                <a:spcPts val="0"/>
-              </a:spcAft>
-              <a:buSzPts val="3000"/>
-              <a:buNone/>
-              <a:defRPr sz="3000"/>
-            </a:lvl8pPr>
-            <a:lvl9pPr lvl="8" rtl="0">
-              <a:spcBef>
-                <a:spcPts val="0"/>
-              </a:spcBef>
-              <a:spcAft>
-                <a:spcPts val="0"/>
-              </a:spcAft>
-              <a:buSzPts val="3000"/>
-              <a:buNone/>
-              <a:defRPr sz="3000"/>
-            </a:lvl9pPr>
-          </a:lstStyle>
-          <a:p>
-            <a:r>
-              <a:t>xx%</a:t>
-            </a:r>
-          </a:p>
-        </p:txBody>
-      </p:sp>
-      <p:sp>
-        <p:nvSpPr>
-          <p:cNvPr id="69" name="Google Shape;69;p13"/>
-          <p:cNvSpPr txBox="1">
-            <a:spLocks noGrp="1"/>
-          </p:cNvSpPr>
-          <p:nvPr>
-            <p:ph type="subTitle" idx="15"/>
-          </p:nvPr>
-        </p:nvSpPr>
-        <p:spPr>
-          <a:xfrm>
-            <a:off x="818171" y="1908498"/>
-            <a:ext cx="2246700" cy="484800"/>
-          </a:xfrm>
-          <a:prstGeom prst="rect">
-            <a:avLst/>
-          </a:prstGeom>
-        </p:spPr>
-        <p:txBody>
-          <a:bodyPr spcFirstLastPara="1" wrap="square" lIns="91425" tIns="91425" rIns="91425" bIns="91425" anchor="b" anchorCtr="0">
-            <a:noAutofit/>
-          </a:bodyPr>
-          <a:lstStyle>
-            <a:lvl1pPr lvl="0" algn="ctr" rtl="0">
-              <a:spcBef>
-                <a:spcPts val="0"/>
-              </a:spcBef>
-              <a:spcAft>
-                <a:spcPts val="0"/>
-              </a:spcAft>
-              <a:buSzPts val="2400"/>
-              <a:buFont typeface="Bebas Neue"/>
-              <a:buNone/>
-              <a:defRPr sz="2400" b="1">
-                <a:solidFill>
-                  <a:schemeClr val="dk1"/>
-                </a:solidFill>
-                <a:latin typeface="Open Sans"/>
-                <a:ea typeface="Open Sans"/>
-                <a:cs typeface="Open Sans"/>
-                <a:sym typeface="Open Sans"/>
-              </a:defRPr>
-            </a:lvl1pPr>
-            <a:lvl2pPr lvl="1" rtl="0">
-              <a:lnSpc>
-                <a:spcPct val="100000"/>
-              </a:lnSpc>
-              <a:spcBef>
-                <a:spcPts val="0"/>
-              </a:spcBef>
-              <a:spcAft>
-                <a:spcPts val="0"/>
-              </a:spcAft>
-              <a:buSzPts val="2400"/>
-              <a:buFont typeface="Bebas Neue"/>
-              <a:buNone/>
-              <a:defRPr sz="2400">
-                <a:latin typeface="Bebas Neue"/>
-                <a:ea typeface="Bebas Neue"/>
-                <a:cs typeface="Bebas Neue"/>
-                <a:sym typeface="Bebas Neue"/>
-              </a:defRPr>
-            </a:lvl2pPr>
-            <a:lvl3pPr lvl="2" rtl="0">
-              <a:lnSpc>
-                <a:spcPct val="100000"/>
-              </a:lnSpc>
-              <a:spcBef>
-                <a:spcPts val="0"/>
-              </a:spcBef>
-              <a:spcAft>
-                <a:spcPts val="0"/>
-              </a:spcAft>
-              <a:buSzPts val="2400"/>
-              <a:buFont typeface="Bebas Neue"/>
-              <a:buNone/>
-              <a:defRPr sz="2400">
-                <a:latin typeface="Bebas Neue"/>
-                <a:ea typeface="Bebas Neue"/>
-                <a:cs typeface="Bebas Neue"/>
-                <a:sym typeface="Bebas Neue"/>
-              </a:defRPr>
-            </a:lvl3pPr>
-            <a:lvl4pPr lvl="3" rtl="0">
-              <a:lnSpc>
-                <a:spcPct val="100000"/>
-              </a:lnSpc>
-              <a:spcBef>
-                <a:spcPts val="0"/>
-              </a:spcBef>
-              <a:spcAft>
-                <a:spcPts val="0"/>
-              </a:spcAft>
-              <a:buSzPts val="2400"/>
-              <a:buFont typeface="Bebas Neue"/>
-              <a:buNone/>
-              <a:defRPr sz="2400">
-                <a:latin typeface="Bebas Neue"/>
-                <a:ea typeface="Bebas Neue"/>
-                <a:cs typeface="Bebas Neue"/>
-                <a:sym typeface="Bebas Neue"/>
-              </a:defRPr>
-            </a:lvl4pPr>
-            <a:lvl5pPr lvl="4" rtl="0">
-              <a:lnSpc>
-                <a:spcPct val="100000"/>
-              </a:lnSpc>
-              <a:spcBef>
-                <a:spcPts val="0"/>
-              </a:spcBef>
-              <a:spcAft>
-                <a:spcPts val="0"/>
-              </a:spcAft>
-              <a:buSzPts val="2400"/>
-              <a:buFont typeface="Bebas Neue"/>
-              <a:buNone/>
-              <a:defRPr sz="2400">
-                <a:latin typeface="Bebas Neue"/>
-                <a:ea typeface="Bebas Neue"/>
-                <a:cs typeface="Bebas Neue"/>
-                <a:sym typeface="Bebas Neue"/>
-              </a:defRPr>
-            </a:lvl5pPr>
-            <a:lvl6pPr lvl="5" rtl="0">
-              <a:lnSpc>
-                <a:spcPct val="100000"/>
-              </a:lnSpc>
-              <a:spcBef>
-                <a:spcPts val="0"/>
-              </a:spcBef>
-              <a:spcAft>
-                <a:spcPts val="0"/>
-              </a:spcAft>
-              <a:buSzPts val="2400"/>
-              <a:buFont typeface="Bebas Neue"/>
-              <a:buNone/>
-              <a:defRPr sz="2400">
-                <a:latin typeface="Bebas Neue"/>
-                <a:ea typeface="Bebas Neue"/>
-                <a:cs typeface="Bebas Neue"/>
-                <a:sym typeface="Bebas Neue"/>
-              </a:defRPr>
-            </a:lvl6pPr>
-            <a:lvl7pPr lvl="6" rtl="0">
-              <a:lnSpc>
-                <a:spcPct val="100000"/>
-              </a:lnSpc>
-              <a:spcBef>
-                <a:spcPts val="0"/>
-              </a:spcBef>
-              <a:spcAft>
-                <a:spcPts val="0"/>
-              </a:spcAft>
-              <a:buSzPts val="2400"/>
-              <a:buFont typeface="Bebas Neue"/>
-              <a:buNone/>
-              <a:defRPr sz="2400">
-                <a:latin typeface="Bebas Neue"/>
-                <a:ea typeface="Bebas Neue"/>
-                <a:cs typeface="Bebas Neue"/>
-                <a:sym typeface="Bebas Neue"/>
-              </a:defRPr>
-            </a:lvl7pPr>
-            <a:lvl8pPr lvl="7" rtl="0">
-              <a:lnSpc>
-                <a:spcPct val="100000"/>
-              </a:lnSpc>
-              <a:spcBef>
-                <a:spcPts val="0"/>
-              </a:spcBef>
-              <a:spcAft>
-                <a:spcPts val="0"/>
-              </a:spcAft>
-              <a:buSzPts val="2400"/>
-              <a:buFont typeface="Bebas Neue"/>
-              <a:buNone/>
-              <a:defRPr sz="2400">
-                <a:latin typeface="Bebas Neue"/>
-                <a:ea typeface="Bebas Neue"/>
-                <a:cs typeface="Bebas Neue"/>
-                <a:sym typeface="Bebas Neue"/>
-              </a:defRPr>
-            </a:lvl8pPr>
-            <a:lvl9pPr lvl="8" rtl="0">
-              <a:lnSpc>
-                <a:spcPct val="100000"/>
-              </a:lnSpc>
-              <a:spcBef>
-                <a:spcPts val="0"/>
-              </a:spcBef>
-              <a:spcAft>
-                <a:spcPts val="0"/>
-              </a:spcAft>
-              <a:buSzPts val="2400"/>
-              <a:buFont typeface="Bebas Neue"/>
-              <a:buNone/>
-              <a:defRPr sz="2400">
-                <a:latin typeface="Bebas Neue"/>
-                <a:ea typeface="Bebas Neue"/>
-                <a:cs typeface="Bebas Neue"/>
-                <a:sym typeface="Bebas Neue"/>
-              </a:defRPr>
-            </a:lvl9pPr>
-          </a:lstStyle>
-          <a:p>
-            <a:endParaRPr/>
-          </a:p>
-        </p:txBody>
-      </p:sp>
-      <p:sp>
-        <p:nvSpPr>
-          <p:cNvPr id="70" name="Google Shape;70;p13"/>
-          <p:cNvSpPr txBox="1">
-            <a:spLocks noGrp="1"/>
-          </p:cNvSpPr>
-          <p:nvPr>
-            <p:ph type="subTitle" idx="16"/>
-          </p:nvPr>
-        </p:nvSpPr>
-        <p:spPr>
-          <a:xfrm>
-            <a:off x="3448650" y="1908498"/>
-            <a:ext cx="2246700" cy="484800"/>
-          </a:xfrm>
-          <a:prstGeom prst="rect">
-            <a:avLst/>
-          </a:prstGeom>
-        </p:spPr>
-        <p:txBody>
-          <a:bodyPr spcFirstLastPara="1" wrap="square" lIns="91425" tIns="91425" rIns="91425" bIns="91425" anchor="b" anchorCtr="0">
-            <a:noAutofit/>
-          </a:bodyPr>
-          <a:lstStyle>
-            <a:lvl1pPr lvl="0" algn="ctr" rtl="0">
-              <a:spcBef>
-                <a:spcPts val="0"/>
-              </a:spcBef>
-              <a:spcAft>
-                <a:spcPts val="0"/>
-              </a:spcAft>
-              <a:buSzPts val="2400"/>
-              <a:buFont typeface="Bebas Neue"/>
-              <a:buNone/>
-              <a:defRPr sz="2400" b="1">
-                <a:solidFill>
-                  <a:schemeClr val="dk1"/>
-                </a:solidFill>
-                <a:latin typeface="Open Sans"/>
-                <a:ea typeface="Open Sans"/>
-                <a:cs typeface="Open Sans"/>
-                <a:sym typeface="Open Sans"/>
-              </a:defRPr>
-            </a:lvl1pPr>
-            <a:lvl2pPr lvl="1" rtl="0">
-              <a:lnSpc>
-                <a:spcPct val="100000"/>
-              </a:lnSpc>
-              <a:spcBef>
-                <a:spcPts val="0"/>
-              </a:spcBef>
-              <a:spcAft>
-                <a:spcPts val="0"/>
-              </a:spcAft>
-              <a:buSzPts val="2400"/>
-              <a:buFont typeface="Bebas Neue"/>
-              <a:buNone/>
-              <a:defRPr sz="2400">
-                <a:latin typeface="Bebas Neue"/>
-                <a:ea typeface="Bebas Neue"/>
-                <a:cs typeface="Bebas Neue"/>
-                <a:sym typeface="Bebas Neue"/>
-              </a:defRPr>
-            </a:lvl2pPr>
-            <a:lvl3pPr lvl="2" rtl="0">
-              <a:lnSpc>
-                <a:spcPct val="100000"/>
-              </a:lnSpc>
-              <a:spcBef>
-                <a:spcPts val="0"/>
-              </a:spcBef>
-              <a:spcAft>
-                <a:spcPts val="0"/>
-              </a:spcAft>
-              <a:buSzPts val="2400"/>
-              <a:buFont typeface="Bebas Neue"/>
-              <a:buNone/>
-              <a:defRPr sz="2400">
-                <a:latin typeface="Bebas Neue"/>
-                <a:ea typeface="Bebas Neue"/>
-                <a:cs typeface="Bebas Neue"/>
-                <a:sym typeface="Bebas Neue"/>
-              </a:defRPr>
-            </a:lvl3pPr>
-            <a:lvl4pPr lvl="3" rtl="0">
-              <a:lnSpc>
-                <a:spcPct val="100000"/>
-              </a:lnSpc>
-              <a:spcBef>
-                <a:spcPts val="0"/>
-              </a:spcBef>
-              <a:spcAft>
-                <a:spcPts val="0"/>
-              </a:spcAft>
-              <a:buSzPts val="2400"/>
-              <a:buFont typeface="Bebas Neue"/>
-              <a:buNone/>
-              <a:defRPr sz="2400">
-                <a:latin typeface="Bebas Neue"/>
-                <a:ea typeface="Bebas Neue"/>
-                <a:cs typeface="Bebas Neue"/>
-                <a:sym typeface="Bebas Neue"/>
-              </a:defRPr>
-            </a:lvl4pPr>
-            <a:lvl5pPr lvl="4" rtl="0">
-              <a:lnSpc>
-                <a:spcPct val="100000"/>
-              </a:lnSpc>
-              <a:spcBef>
-                <a:spcPts val="0"/>
-              </a:spcBef>
-              <a:spcAft>
-                <a:spcPts val="0"/>
-              </a:spcAft>
-              <a:buSzPts val="2400"/>
-              <a:buFont typeface="Bebas Neue"/>
-              <a:buNone/>
-              <a:defRPr sz="2400">
-                <a:latin typeface="Bebas Neue"/>
-                <a:ea typeface="Bebas Neue"/>
-                <a:cs typeface="Bebas Neue"/>
-                <a:sym typeface="Bebas Neue"/>
-              </a:defRPr>
-            </a:lvl5pPr>
-            <a:lvl6pPr lvl="5" rtl="0">
-              <a:lnSpc>
-                <a:spcPct val="100000"/>
-              </a:lnSpc>
-              <a:spcBef>
-                <a:spcPts val="0"/>
-              </a:spcBef>
-              <a:spcAft>
-                <a:spcPts val="0"/>
-              </a:spcAft>
-              <a:buSzPts val="2400"/>
-              <a:buFont typeface="Bebas Neue"/>
-              <a:buNone/>
-              <a:defRPr sz="2400">
-                <a:latin typeface="Bebas Neue"/>
-                <a:ea typeface="Bebas Neue"/>
-                <a:cs typeface="Bebas Neue"/>
-                <a:sym typeface="Bebas Neue"/>
-              </a:defRPr>
-            </a:lvl6pPr>
-            <a:lvl7pPr lvl="6" rtl="0">
-              <a:lnSpc>
-                <a:spcPct val="100000"/>
-              </a:lnSpc>
-              <a:spcBef>
-                <a:spcPts val="0"/>
-              </a:spcBef>
-              <a:spcAft>
-                <a:spcPts val="0"/>
-              </a:spcAft>
-              <a:buSzPts val="2400"/>
-              <a:buFont typeface="Bebas Neue"/>
-              <a:buNone/>
-              <a:defRPr sz="2400">
-                <a:latin typeface="Bebas Neue"/>
-                <a:ea typeface="Bebas Neue"/>
-                <a:cs typeface="Bebas Neue"/>
-                <a:sym typeface="Bebas Neue"/>
-              </a:defRPr>
-            </a:lvl7pPr>
-            <a:lvl8pPr lvl="7" rtl="0">
-              <a:lnSpc>
-                <a:spcPct val="100000"/>
-              </a:lnSpc>
-              <a:spcBef>
-                <a:spcPts val="0"/>
-              </a:spcBef>
-              <a:spcAft>
-                <a:spcPts val="0"/>
-              </a:spcAft>
-              <a:buSzPts val="2400"/>
-              <a:buFont typeface="Bebas Neue"/>
-              <a:buNone/>
-              <a:defRPr sz="2400">
-                <a:latin typeface="Bebas Neue"/>
-                <a:ea typeface="Bebas Neue"/>
-                <a:cs typeface="Bebas Neue"/>
-                <a:sym typeface="Bebas Neue"/>
-              </a:defRPr>
-            </a:lvl8pPr>
-            <a:lvl9pPr lvl="8" rtl="0">
-              <a:lnSpc>
-                <a:spcPct val="100000"/>
-              </a:lnSpc>
-              <a:spcBef>
-                <a:spcPts val="0"/>
-              </a:spcBef>
-              <a:spcAft>
-                <a:spcPts val="0"/>
-              </a:spcAft>
-              <a:buSzPts val="2400"/>
-              <a:buFont typeface="Bebas Neue"/>
-              <a:buNone/>
-              <a:defRPr sz="2400">
-                <a:latin typeface="Bebas Neue"/>
-                <a:ea typeface="Bebas Neue"/>
-                <a:cs typeface="Bebas Neue"/>
-                <a:sym typeface="Bebas Neue"/>
-              </a:defRPr>
-            </a:lvl9pPr>
-          </a:lstStyle>
-          <a:p>
-            <a:endParaRPr/>
-          </a:p>
-        </p:txBody>
-      </p:sp>
-      <p:sp>
-        <p:nvSpPr>
-          <p:cNvPr id="71" name="Google Shape;71;p13"/>
-          <p:cNvSpPr txBox="1">
-            <a:spLocks noGrp="1"/>
-          </p:cNvSpPr>
-          <p:nvPr>
-            <p:ph type="subTitle" idx="17"/>
-          </p:nvPr>
-        </p:nvSpPr>
-        <p:spPr>
-          <a:xfrm>
-            <a:off x="6079129" y="1908498"/>
-            <a:ext cx="2246700" cy="484800"/>
-          </a:xfrm>
-          <a:prstGeom prst="rect">
-            <a:avLst/>
-          </a:prstGeom>
-        </p:spPr>
-        <p:txBody>
-          <a:bodyPr spcFirstLastPara="1" wrap="square" lIns="91425" tIns="91425" rIns="91425" bIns="91425" anchor="b" anchorCtr="0">
-            <a:noAutofit/>
-          </a:bodyPr>
-          <a:lstStyle>
-            <a:lvl1pPr lvl="0" algn="ctr" rtl="0">
-              <a:spcBef>
-                <a:spcPts val="0"/>
-              </a:spcBef>
-              <a:spcAft>
-                <a:spcPts val="0"/>
-              </a:spcAft>
-              <a:buSzPts val="2400"/>
-              <a:buFont typeface="Bebas Neue"/>
-              <a:buNone/>
-              <a:defRPr sz="2400" b="1">
-                <a:solidFill>
-                  <a:schemeClr val="dk1"/>
-                </a:solidFill>
-                <a:latin typeface="Open Sans"/>
-                <a:ea typeface="Open Sans"/>
-                <a:cs typeface="Open Sans"/>
-                <a:sym typeface="Open Sans"/>
-              </a:defRPr>
-            </a:lvl1pPr>
-            <a:lvl2pPr lvl="1" rtl="0">
-              <a:lnSpc>
-                <a:spcPct val="100000"/>
-              </a:lnSpc>
-              <a:spcBef>
-                <a:spcPts val="0"/>
-              </a:spcBef>
-              <a:spcAft>
-                <a:spcPts val="0"/>
-              </a:spcAft>
-              <a:buSzPts val="2400"/>
-              <a:buFont typeface="Bebas Neue"/>
-              <a:buNone/>
-              <a:defRPr sz="2400">
-                <a:latin typeface="Bebas Neue"/>
-                <a:ea typeface="Bebas Neue"/>
-                <a:cs typeface="Bebas Neue"/>
-                <a:sym typeface="Bebas Neue"/>
-              </a:defRPr>
-            </a:lvl2pPr>
-            <a:lvl3pPr lvl="2" rtl="0">
-              <a:lnSpc>
-                <a:spcPct val="100000"/>
-              </a:lnSpc>
-              <a:spcBef>
-                <a:spcPts val="0"/>
-              </a:spcBef>
-              <a:spcAft>
-                <a:spcPts val="0"/>
-              </a:spcAft>
-              <a:buSzPts val="2400"/>
-              <a:buFont typeface="Bebas Neue"/>
-              <a:buNone/>
-              <a:defRPr sz="2400">
-                <a:latin typeface="Bebas Neue"/>
-                <a:ea typeface="Bebas Neue"/>
-                <a:cs typeface="Bebas Neue"/>
-                <a:sym typeface="Bebas Neue"/>
-              </a:defRPr>
-            </a:lvl3pPr>
-            <a:lvl4pPr lvl="3" rtl="0">
-              <a:lnSpc>
-                <a:spcPct val="100000"/>
-              </a:lnSpc>
-              <a:spcBef>
-                <a:spcPts val="0"/>
-              </a:spcBef>
-              <a:spcAft>
-                <a:spcPts val="0"/>
-              </a:spcAft>
-              <a:buSzPts val="2400"/>
-              <a:buFont typeface="Bebas Neue"/>
-              <a:buNone/>
-              <a:defRPr sz="2400">
-                <a:latin typeface="Bebas Neue"/>
-                <a:ea typeface="Bebas Neue"/>
-                <a:cs typeface="Bebas Neue"/>
-                <a:sym typeface="Bebas Neue"/>
-              </a:defRPr>
-            </a:lvl4pPr>
-            <a:lvl5pPr lvl="4" rtl="0">
-              <a:lnSpc>
-                <a:spcPct val="100000"/>
-              </a:lnSpc>
-              <a:spcBef>
-                <a:spcPts val="0"/>
-              </a:spcBef>
-              <a:spcAft>
-                <a:spcPts val="0"/>
-              </a:spcAft>
-              <a:buSzPts val="2400"/>
-              <a:buFont typeface="Bebas Neue"/>
-              <a:buNone/>
-              <a:defRPr sz="2400">
-                <a:latin typeface="Bebas Neue"/>
-                <a:ea typeface="Bebas Neue"/>
-                <a:cs typeface="Bebas Neue"/>
-                <a:sym typeface="Bebas Neue"/>
-              </a:defRPr>
-            </a:lvl5pPr>
-            <a:lvl6pPr lvl="5" rtl="0">
-              <a:lnSpc>
-                <a:spcPct val="100000"/>
-              </a:lnSpc>
-              <a:spcBef>
-                <a:spcPts val="0"/>
-              </a:spcBef>
-              <a:spcAft>
-                <a:spcPts val="0"/>
-              </a:spcAft>
-              <a:buSzPts val="2400"/>
-              <a:buFont typeface="Bebas Neue"/>
-              <a:buNone/>
-              <a:defRPr sz="2400">
-                <a:latin typeface="Bebas Neue"/>
-                <a:ea typeface="Bebas Neue"/>
-                <a:cs typeface="Bebas Neue"/>
-                <a:sym typeface="Bebas Neue"/>
-              </a:defRPr>
-            </a:lvl6pPr>
-            <a:lvl7pPr lvl="6" rtl="0">
-              <a:lnSpc>
-                <a:spcPct val="100000"/>
-              </a:lnSpc>
-              <a:spcBef>
-                <a:spcPts val="0"/>
-              </a:spcBef>
-              <a:spcAft>
-                <a:spcPts val="0"/>
-              </a:spcAft>
-              <a:buSzPts val="2400"/>
-              <a:buFont typeface="Bebas Neue"/>
-              <a:buNone/>
-              <a:defRPr sz="2400">
-                <a:latin typeface="Bebas Neue"/>
-                <a:ea typeface="Bebas Neue"/>
-                <a:cs typeface="Bebas Neue"/>
-                <a:sym typeface="Bebas Neue"/>
-              </a:defRPr>
-            </a:lvl7pPr>
-            <a:lvl8pPr lvl="7" rtl="0">
-              <a:lnSpc>
-                <a:spcPct val="100000"/>
-              </a:lnSpc>
-              <a:spcBef>
-                <a:spcPts val="0"/>
-              </a:spcBef>
-              <a:spcAft>
-                <a:spcPts val="0"/>
-              </a:spcAft>
-              <a:buSzPts val="2400"/>
-              <a:buFont typeface="Bebas Neue"/>
-              <a:buNone/>
-              <a:defRPr sz="2400">
-                <a:latin typeface="Bebas Neue"/>
-                <a:ea typeface="Bebas Neue"/>
-                <a:cs typeface="Bebas Neue"/>
-                <a:sym typeface="Bebas Neue"/>
-              </a:defRPr>
-            </a:lvl8pPr>
-            <a:lvl9pPr lvl="8" rtl="0">
-              <a:lnSpc>
-                <a:spcPct val="100000"/>
-              </a:lnSpc>
-              <a:spcBef>
-                <a:spcPts val="0"/>
-              </a:spcBef>
-              <a:spcAft>
-                <a:spcPts val="0"/>
-              </a:spcAft>
-              <a:buSzPts val="2400"/>
-              <a:buFont typeface="Bebas Neue"/>
-              <a:buNone/>
-              <a:defRPr sz="2400">
-                <a:latin typeface="Bebas Neue"/>
-                <a:ea typeface="Bebas Neue"/>
-                <a:cs typeface="Bebas Neue"/>
-                <a:sym typeface="Bebas Neue"/>
-              </a:defRPr>
-            </a:lvl9pPr>
-          </a:lstStyle>
-          <a:p>
-            <a:endParaRPr/>
-          </a:p>
-        </p:txBody>
-      </p:sp>
-      <p:sp>
-        <p:nvSpPr>
-          <p:cNvPr id="72" name="Google Shape;72;p13"/>
-          <p:cNvSpPr txBox="1">
-            <a:spLocks noGrp="1"/>
-          </p:cNvSpPr>
-          <p:nvPr>
-            <p:ph type="subTitle" idx="18"/>
-          </p:nvPr>
-        </p:nvSpPr>
-        <p:spPr>
-          <a:xfrm>
-            <a:off x="818171" y="3644491"/>
-            <a:ext cx="2246700" cy="484800"/>
-          </a:xfrm>
-          <a:prstGeom prst="rect">
-            <a:avLst/>
-          </a:prstGeom>
-        </p:spPr>
-        <p:txBody>
-          <a:bodyPr spcFirstLastPara="1" wrap="square" lIns="91425" tIns="91425" rIns="91425" bIns="91425" anchor="b" anchorCtr="0">
-            <a:noAutofit/>
-          </a:bodyPr>
-          <a:lstStyle>
-            <a:lvl1pPr lvl="0" algn="ctr" rtl="0">
-              <a:spcBef>
-                <a:spcPts val="0"/>
-              </a:spcBef>
-              <a:spcAft>
-                <a:spcPts val="0"/>
-              </a:spcAft>
-              <a:buSzPts val="2400"/>
-              <a:buFont typeface="Bebas Neue"/>
-              <a:buNone/>
-              <a:defRPr sz="2400" b="1">
-                <a:solidFill>
-                  <a:schemeClr val="dk1"/>
-                </a:solidFill>
-                <a:latin typeface="Open Sans"/>
-                <a:ea typeface="Open Sans"/>
-                <a:cs typeface="Open Sans"/>
-                <a:sym typeface="Open Sans"/>
-              </a:defRPr>
-            </a:lvl1pPr>
-            <a:lvl2pPr lvl="1" rtl="0">
-              <a:lnSpc>
-                <a:spcPct val="100000"/>
-              </a:lnSpc>
-              <a:spcBef>
-                <a:spcPts val="0"/>
-              </a:spcBef>
-              <a:spcAft>
-                <a:spcPts val="0"/>
-              </a:spcAft>
-              <a:buSzPts val="2400"/>
-              <a:buFont typeface="Bebas Neue"/>
-              <a:buNone/>
-              <a:defRPr sz="2400">
-                <a:latin typeface="Bebas Neue"/>
-                <a:ea typeface="Bebas Neue"/>
-                <a:cs typeface="Bebas Neue"/>
-                <a:sym typeface="Bebas Neue"/>
-              </a:defRPr>
-            </a:lvl2pPr>
-            <a:lvl3pPr lvl="2" rtl="0">
-              <a:lnSpc>
-                <a:spcPct val="100000"/>
-              </a:lnSpc>
-              <a:spcBef>
-                <a:spcPts val="0"/>
-              </a:spcBef>
-              <a:spcAft>
-                <a:spcPts val="0"/>
-              </a:spcAft>
-              <a:buSzPts val="2400"/>
-              <a:buFont typeface="Bebas Neue"/>
-              <a:buNone/>
-              <a:defRPr sz="2400">
-                <a:latin typeface="Bebas Neue"/>
-                <a:ea typeface="Bebas Neue"/>
-                <a:cs typeface="Bebas Neue"/>
-                <a:sym typeface="Bebas Neue"/>
-              </a:defRPr>
-            </a:lvl3pPr>
-            <a:lvl4pPr lvl="3" rtl="0">
-              <a:lnSpc>
-                <a:spcPct val="100000"/>
-              </a:lnSpc>
-              <a:spcBef>
-                <a:spcPts val="0"/>
-              </a:spcBef>
-              <a:spcAft>
-                <a:spcPts val="0"/>
-              </a:spcAft>
-              <a:buSzPts val="2400"/>
-              <a:buFont typeface="Bebas Neue"/>
-              <a:buNone/>
-              <a:defRPr sz="2400">
-                <a:latin typeface="Bebas Neue"/>
-                <a:ea typeface="Bebas Neue"/>
-                <a:cs typeface="Bebas Neue"/>
-                <a:sym typeface="Bebas Neue"/>
-              </a:defRPr>
-            </a:lvl4pPr>
-            <a:lvl5pPr lvl="4" rtl="0">
-              <a:lnSpc>
-                <a:spcPct val="100000"/>
-              </a:lnSpc>
-              <a:spcBef>
-                <a:spcPts val="0"/>
-              </a:spcBef>
-              <a:spcAft>
-                <a:spcPts val="0"/>
-              </a:spcAft>
-              <a:buSzPts val="2400"/>
-              <a:buFont typeface="Bebas Neue"/>
-              <a:buNone/>
-              <a:defRPr sz="2400">
-                <a:latin typeface="Bebas Neue"/>
-                <a:ea typeface="Bebas Neue"/>
-                <a:cs typeface="Bebas Neue"/>
-                <a:sym typeface="Bebas Neue"/>
-              </a:defRPr>
-            </a:lvl5pPr>
-            <a:lvl6pPr lvl="5" rtl="0">
-              <a:lnSpc>
-                <a:spcPct val="100000"/>
-              </a:lnSpc>
-              <a:spcBef>
-                <a:spcPts val="0"/>
-              </a:spcBef>
-              <a:spcAft>
-                <a:spcPts val="0"/>
-              </a:spcAft>
-              <a:buSzPts val="2400"/>
-              <a:buFont typeface="Bebas Neue"/>
-              <a:buNone/>
-              <a:defRPr sz="2400">
-                <a:latin typeface="Bebas Neue"/>
-                <a:ea typeface="Bebas Neue"/>
-                <a:cs typeface="Bebas Neue"/>
-                <a:sym typeface="Bebas Neue"/>
-              </a:defRPr>
-            </a:lvl6pPr>
-            <a:lvl7pPr lvl="6" rtl="0">
-              <a:lnSpc>
-                <a:spcPct val="100000"/>
-              </a:lnSpc>
-              <a:spcBef>
-                <a:spcPts val="0"/>
-              </a:spcBef>
-              <a:spcAft>
-                <a:spcPts val="0"/>
-              </a:spcAft>
-              <a:buSzPts val="2400"/>
-              <a:buFont typeface="Bebas Neue"/>
-              <a:buNone/>
-              <a:defRPr sz="2400">
-                <a:latin typeface="Bebas Neue"/>
-                <a:ea typeface="Bebas Neue"/>
-                <a:cs typeface="Bebas Neue"/>
-                <a:sym typeface="Bebas Neue"/>
-              </a:defRPr>
-            </a:lvl7pPr>
-            <a:lvl8pPr lvl="7" rtl="0">
-              <a:lnSpc>
-                <a:spcPct val="100000"/>
-              </a:lnSpc>
-              <a:spcBef>
-                <a:spcPts val="0"/>
-              </a:spcBef>
-              <a:spcAft>
-                <a:spcPts val="0"/>
-              </a:spcAft>
-              <a:buSzPts val="2400"/>
-              <a:buFont typeface="Bebas Neue"/>
-              <a:buNone/>
-              <a:defRPr sz="2400">
-                <a:latin typeface="Bebas Neue"/>
-                <a:ea typeface="Bebas Neue"/>
-                <a:cs typeface="Bebas Neue"/>
-                <a:sym typeface="Bebas Neue"/>
-              </a:defRPr>
-            </a:lvl8pPr>
-            <a:lvl9pPr lvl="8" rtl="0">
-              <a:lnSpc>
-                <a:spcPct val="100000"/>
-              </a:lnSpc>
-              <a:spcBef>
-                <a:spcPts val="0"/>
-              </a:spcBef>
-              <a:spcAft>
-                <a:spcPts val="0"/>
-              </a:spcAft>
-              <a:buSzPts val="2400"/>
-              <a:buFont typeface="Bebas Neue"/>
-              <a:buNone/>
-              <a:defRPr sz="2400">
-                <a:latin typeface="Bebas Neue"/>
-                <a:ea typeface="Bebas Neue"/>
-                <a:cs typeface="Bebas Neue"/>
-                <a:sym typeface="Bebas Neue"/>
-              </a:defRPr>
-            </a:lvl9pPr>
-          </a:lstStyle>
-          <a:p>
-            <a:endParaRPr/>
-          </a:p>
-        </p:txBody>
-      </p:sp>
-      <p:sp>
-        <p:nvSpPr>
-          <p:cNvPr id="73" name="Google Shape;73;p13"/>
-          <p:cNvSpPr txBox="1">
-            <a:spLocks noGrp="1"/>
-          </p:cNvSpPr>
-          <p:nvPr>
-            <p:ph type="subTitle" idx="19"/>
-          </p:nvPr>
-        </p:nvSpPr>
-        <p:spPr>
-          <a:xfrm>
-            <a:off x="3448650" y="3644491"/>
-            <a:ext cx="2246700" cy="484800"/>
-          </a:xfrm>
-          <a:prstGeom prst="rect">
-            <a:avLst/>
-          </a:prstGeom>
-        </p:spPr>
-        <p:txBody>
-          <a:bodyPr spcFirstLastPara="1" wrap="square" lIns="91425" tIns="91425" rIns="91425" bIns="91425" anchor="b" anchorCtr="0">
-            <a:noAutofit/>
-          </a:bodyPr>
-          <a:lstStyle>
-            <a:lvl1pPr lvl="0" algn="ctr" rtl="0">
-              <a:spcBef>
-                <a:spcPts val="0"/>
-              </a:spcBef>
-              <a:spcAft>
-                <a:spcPts val="0"/>
-              </a:spcAft>
-              <a:buSzPts val="2400"/>
-              <a:buFont typeface="Bebas Neue"/>
-              <a:buNone/>
-              <a:defRPr sz="2400" b="1">
-                <a:solidFill>
-                  <a:schemeClr val="dk1"/>
-                </a:solidFill>
-                <a:latin typeface="Open Sans"/>
-                <a:ea typeface="Open Sans"/>
-                <a:cs typeface="Open Sans"/>
-                <a:sym typeface="Open Sans"/>
-              </a:defRPr>
-            </a:lvl1pPr>
-            <a:lvl2pPr lvl="1" rtl="0">
-              <a:lnSpc>
-                <a:spcPct val="100000"/>
-              </a:lnSpc>
-              <a:spcBef>
-                <a:spcPts val="0"/>
-              </a:spcBef>
-              <a:spcAft>
-                <a:spcPts val="0"/>
-              </a:spcAft>
-              <a:buSzPts val="2400"/>
-              <a:buFont typeface="Bebas Neue"/>
-              <a:buNone/>
-              <a:defRPr sz="2400">
-                <a:latin typeface="Bebas Neue"/>
-                <a:ea typeface="Bebas Neue"/>
-                <a:cs typeface="Bebas Neue"/>
-                <a:sym typeface="Bebas Neue"/>
-              </a:defRPr>
-            </a:lvl2pPr>
-            <a:lvl3pPr lvl="2" rtl="0">
-              <a:lnSpc>
-                <a:spcPct val="100000"/>
-              </a:lnSpc>
-              <a:spcBef>
-                <a:spcPts val="0"/>
-              </a:spcBef>
-              <a:spcAft>
-                <a:spcPts val="0"/>
-              </a:spcAft>
-              <a:buSzPts val="2400"/>
-              <a:buFont typeface="Bebas Neue"/>
-              <a:buNone/>
-              <a:defRPr sz="2400">
-                <a:latin typeface="Bebas Neue"/>
-                <a:ea typeface="Bebas Neue"/>
-                <a:cs typeface="Bebas Neue"/>
-                <a:sym typeface="Bebas Neue"/>
-              </a:defRPr>
-            </a:lvl3pPr>
-            <a:lvl4pPr lvl="3" rtl="0">
-              <a:lnSpc>
-                <a:spcPct val="100000"/>
-              </a:lnSpc>
-              <a:spcBef>
-                <a:spcPts val="0"/>
-              </a:spcBef>
-              <a:spcAft>
-                <a:spcPts val="0"/>
-              </a:spcAft>
-              <a:buSzPts val="2400"/>
-              <a:buFont typeface="Bebas Neue"/>
-              <a:buNone/>
-              <a:defRPr sz="2400">
-                <a:latin typeface="Bebas Neue"/>
-                <a:ea typeface="Bebas Neue"/>
-                <a:cs typeface="Bebas Neue"/>
-                <a:sym typeface="Bebas Neue"/>
-              </a:defRPr>
-            </a:lvl4pPr>
-            <a:lvl5pPr lvl="4" rtl="0">
-              <a:lnSpc>
-                <a:spcPct val="100000"/>
-              </a:lnSpc>
-              <a:spcBef>
-                <a:spcPts val="0"/>
-              </a:spcBef>
-              <a:spcAft>
-                <a:spcPts val="0"/>
-              </a:spcAft>
-              <a:buSzPts val="2400"/>
-              <a:buFont typeface="Bebas Neue"/>
-              <a:buNone/>
-              <a:defRPr sz="2400">
-                <a:latin typeface="Bebas Neue"/>
-                <a:ea typeface="Bebas Neue"/>
-                <a:cs typeface="Bebas Neue"/>
-                <a:sym typeface="Bebas Neue"/>
-              </a:defRPr>
-            </a:lvl5pPr>
-            <a:lvl6pPr lvl="5" rtl="0">
-              <a:lnSpc>
-                <a:spcPct val="100000"/>
-              </a:lnSpc>
-              <a:spcBef>
-                <a:spcPts val="0"/>
-              </a:spcBef>
-              <a:spcAft>
-                <a:spcPts val="0"/>
-              </a:spcAft>
-              <a:buSzPts val="2400"/>
-              <a:buFont typeface="Bebas Neue"/>
-              <a:buNone/>
-              <a:defRPr sz="2400">
-                <a:latin typeface="Bebas Neue"/>
-                <a:ea typeface="Bebas Neue"/>
-                <a:cs typeface="Bebas Neue"/>
-                <a:sym typeface="Bebas Neue"/>
-              </a:defRPr>
-            </a:lvl6pPr>
-            <a:lvl7pPr lvl="6" rtl="0">
-              <a:lnSpc>
-                <a:spcPct val="100000"/>
-              </a:lnSpc>
-              <a:spcBef>
-                <a:spcPts val="0"/>
-              </a:spcBef>
-              <a:spcAft>
-                <a:spcPts val="0"/>
-              </a:spcAft>
-              <a:buSzPts val="2400"/>
-              <a:buFont typeface="Bebas Neue"/>
-              <a:buNone/>
-              <a:defRPr sz="2400">
-                <a:latin typeface="Bebas Neue"/>
-                <a:ea typeface="Bebas Neue"/>
-                <a:cs typeface="Bebas Neue"/>
-                <a:sym typeface="Bebas Neue"/>
-              </a:defRPr>
-            </a:lvl7pPr>
-            <a:lvl8pPr lvl="7" rtl="0">
-              <a:lnSpc>
-                <a:spcPct val="100000"/>
-              </a:lnSpc>
-              <a:spcBef>
-                <a:spcPts val="0"/>
-              </a:spcBef>
-              <a:spcAft>
-                <a:spcPts val="0"/>
-              </a:spcAft>
-              <a:buSzPts val="2400"/>
-              <a:buFont typeface="Bebas Neue"/>
-              <a:buNone/>
-              <a:defRPr sz="2400">
-                <a:latin typeface="Bebas Neue"/>
-                <a:ea typeface="Bebas Neue"/>
-                <a:cs typeface="Bebas Neue"/>
-                <a:sym typeface="Bebas Neue"/>
-              </a:defRPr>
-            </a:lvl8pPr>
-            <a:lvl9pPr lvl="8" rtl="0">
-              <a:lnSpc>
-                <a:spcPct val="100000"/>
-              </a:lnSpc>
-              <a:spcBef>
-                <a:spcPts val="0"/>
-              </a:spcBef>
-              <a:spcAft>
-                <a:spcPts val="0"/>
-              </a:spcAft>
-              <a:buSzPts val="2400"/>
-              <a:buFont typeface="Bebas Neue"/>
-              <a:buNone/>
-              <a:defRPr sz="2400">
-                <a:latin typeface="Bebas Neue"/>
-                <a:ea typeface="Bebas Neue"/>
-                <a:cs typeface="Bebas Neue"/>
-                <a:sym typeface="Bebas Neue"/>
-              </a:defRPr>
-            </a:lvl9pPr>
-          </a:lstStyle>
-          <a:p>
-            <a:endParaRPr/>
-          </a:p>
-        </p:txBody>
-      </p:sp>
-      <p:sp>
-        <p:nvSpPr>
-          <p:cNvPr id="74" name="Google Shape;74;p13"/>
-          <p:cNvSpPr txBox="1">
-            <a:spLocks noGrp="1"/>
-          </p:cNvSpPr>
-          <p:nvPr>
-            <p:ph type="subTitle" idx="20"/>
-          </p:nvPr>
-        </p:nvSpPr>
-        <p:spPr>
-          <a:xfrm>
-            <a:off x="6079129" y="3644491"/>
-            <a:ext cx="2246700" cy="484800"/>
-          </a:xfrm>
-          <a:prstGeom prst="rect">
-            <a:avLst/>
-          </a:prstGeom>
-        </p:spPr>
-        <p:txBody>
-          <a:bodyPr spcFirstLastPara="1" wrap="square" lIns="91425" tIns="91425" rIns="91425" bIns="91425" anchor="b" anchorCtr="0">
-            <a:noAutofit/>
-          </a:bodyPr>
-          <a:lstStyle>
-            <a:lvl1pPr lvl="0" algn="ctr" rtl="0">
-              <a:spcBef>
-                <a:spcPts val="0"/>
-              </a:spcBef>
-              <a:spcAft>
-                <a:spcPts val="0"/>
-              </a:spcAft>
-              <a:buSzPts val="2400"/>
-              <a:buFont typeface="Bebas Neue"/>
-              <a:buNone/>
-              <a:defRPr sz="2400" b="1">
-                <a:solidFill>
-                  <a:schemeClr val="dk1"/>
-                </a:solidFill>
-                <a:latin typeface="Open Sans"/>
-                <a:ea typeface="Open Sans"/>
-                <a:cs typeface="Open Sans"/>
-                <a:sym typeface="Open Sans"/>
-              </a:defRPr>
-            </a:lvl1pPr>
-            <a:lvl2pPr lvl="1" rtl="0">
-              <a:lnSpc>
-                <a:spcPct val="100000"/>
-              </a:lnSpc>
-              <a:spcBef>
-                <a:spcPts val="0"/>
-              </a:spcBef>
-              <a:spcAft>
-                <a:spcPts val="0"/>
-              </a:spcAft>
-              <a:buSzPts val="2400"/>
-              <a:buFont typeface="Bebas Neue"/>
-              <a:buNone/>
-              <a:defRPr sz="2400">
-                <a:latin typeface="Bebas Neue"/>
-                <a:ea typeface="Bebas Neue"/>
-                <a:cs typeface="Bebas Neue"/>
-                <a:sym typeface="Bebas Neue"/>
-              </a:defRPr>
-            </a:lvl2pPr>
-            <a:lvl3pPr lvl="2" rtl="0">
-              <a:lnSpc>
-                <a:spcPct val="100000"/>
-              </a:lnSpc>
-              <a:spcBef>
-                <a:spcPts val="0"/>
-              </a:spcBef>
-              <a:spcAft>
-                <a:spcPts val="0"/>
-              </a:spcAft>
-              <a:buSzPts val="2400"/>
-              <a:buFont typeface="Bebas Neue"/>
-              <a:buNone/>
-              <a:defRPr sz="2400">
-                <a:latin typeface="Bebas Neue"/>
-                <a:ea typeface="Bebas Neue"/>
-                <a:cs typeface="Bebas Neue"/>
-                <a:sym typeface="Bebas Neue"/>
-              </a:defRPr>
-            </a:lvl3pPr>
-            <a:lvl4pPr lvl="3" rtl="0">
-              <a:lnSpc>
-                <a:spcPct val="100000"/>
-              </a:lnSpc>
-              <a:spcBef>
-                <a:spcPts val="0"/>
-              </a:spcBef>
-              <a:spcAft>
-                <a:spcPts val="0"/>
-              </a:spcAft>
-              <a:buSzPts val="2400"/>
-              <a:buFont typeface="Bebas Neue"/>
-              <a:buNone/>
-              <a:defRPr sz="2400">
-                <a:latin typeface="Bebas Neue"/>
-                <a:ea typeface="Bebas Neue"/>
-                <a:cs typeface="Bebas Neue"/>
-                <a:sym typeface="Bebas Neue"/>
-              </a:defRPr>
-            </a:lvl4pPr>
-            <a:lvl5pPr lvl="4" rtl="0">
-              <a:lnSpc>
-                <a:spcPct val="100000"/>
-              </a:lnSpc>
-              <a:spcBef>
-                <a:spcPts val="0"/>
-              </a:spcBef>
-              <a:spcAft>
-                <a:spcPts val="0"/>
-              </a:spcAft>
-              <a:buSzPts val="2400"/>
-              <a:buFont typeface="Bebas Neue"/>
-              <a:buNone/>
-              <a:defRPr sz="2400">
-                <a:latin typeface="Bebas Neue"/>
-                <a:ea typeface="Bebas Neue"/>
-                <a:cs typeface="Bebas Neue"/>
-                <a:sym typeface="Bebas Neue"/>
-              </a:defRPr>
-            </a:lvl5pPr>
-            <a:lvl6pPr lvl="5" rtl="0">
-              <a:lnSpc>
-                <a:spcPct val="100000"/>
-              </a:lnSpc>
-              <a:spcBef>
-                <a:spcPts val="0"/>
-              </a:spcBef>
-              <a:spcAft>
-                <a:spcPts val="0"/>
-              </a:spcAft>
-              <a:buSzPts val="2400"/>
-              <a:buFont typeface="Bebas Neue"/>
-              <a:buNone/>
-              <a:defRPr sz="2400">
-                <a:latin typeface="Bebas Neue"/>
-                <a:ea typeface="Bebas Neue"/>
-                <a:cs typeface="Bebas Neue"/>
-                <a:sym typeface="Bebas Neue"/>
-              </a:defRPr>
-            </a:lvl6pPr>
-            <a:lvl7pPr lvl="6" rtl="0">
-              <a:lnSpc>
-                <a:spcPct val="100000"/>
-              </a:lnSpc>
-              <a:spcBef>
-                <a:spcPts val="0"/>
-              </a:spcBef>
-              <a:spcAft>
-                <a:spcPts val="0"/>
-              </a:spcAft>
-              <a:buSzPts val="2400"/>
-              <a:buFont typeface="Bebas Neue"/>
-              <a:buNone/>
-              <a:defRPr sz="2400">
-                <a:latin typeface="Bebas Neue"/>
-                <a:ea typeface="Bebas Neue"/>
-                <a:cs typeface="Bebas Neue"/>
-                <a:sym typeface="Bebas Neue"/>
-              </a:defRPr>
-            </a:lvl7pPr>
-            <a:lvl8pPr lvl="7" rtl="0">
-              <a:lnSpc>
-                <a:spcPct val="100000"/>
-              </a:lnSpc>
-              <a:spcBef>
-                <a:spcPts val="0"/>
-              </a:spcBef>
-              <a:spcAft>
-                <a:spcPts val="0"/>
-              </a:spcAft>
-              <a:buSzPts val="2400"/>
-              <a:buFont typeface="Bebas Neue"/>
-              <a:buNone/>
-              <a:defRPr sz="2400">
-                <a:latin typeface="Bebas Neue"/>
-                <a:ea typeface="Bebas Neue"/>
-                <a:cs typeface="Bebas Neue"/>
-                <a:sym typeface="Bebas Neue"/>
-              </a:defRPr>
-            </a:lvl8pPr>
-            <a:lvl9pPr lvl="8" rtl="0">
-              <a:lnSpc>
-                <a:spcPct val="100000"/>
-              </a:lnSpc>
-              <a:spcBef>
-                <a:spcPts val="0"/>
-              </a:spcBef>
-              <a:spcAft>
-                <a:spcPts val="0"/>
-              </a:spcAft>
-              <a:buSzPts val="2400"/>
-              <a:buFont typeface="Bebas Neue"/>
-              <a:buNone/>
-              <a:defRPr sz="2400">
-                <a:latin typeface="Bebas Neue"/>
-                <a:ea typeface="Bebas Neue"/>
-                <a:cs typeface="Bebas Neue"/>
-                <a:sym typeface="Bebas Neue"/>
-              </a:defRPr>
-            </a:lvl9pPr>
-          </a:lstStyle>
-          <a:p>
-            <a:endParaRPr/>
-          </a:p>
-        </p:txBody>
-      </p:sp>
-      <p:sp>
-        <p:nvSpPr>
-          <p:cNvPr id="75" name="Google Shape;75;p13"/>
-          <p:cNvSpPr txBox="1">
-            <a:spLocks noGrp="1"/>
-          </p:cNvSpPr>
-          <p:nvPr>
-            <p:ph type="title" idx="21"/>
-          </p:nvPr>
-        </p:nvSpPr>
-        <p:spPr>
-          <a:xfrm>
-            <a:off x="720000" y="521225"/>
-            <a:ext cx="7704000" cy="572700"/>
-          </a:xfrm>
-          <a:prstGeom prst="rect">
-            <a:avLst/>
-          </a:prstGeom>
-        </p:spPr>
-        <p:txBody>
-          <a:bodyPr spcFirstLastPara="1" wrap="square" lIns="91425" tIns="91425" rIns="91425" bIns="91425" anchor="t" anchorCtr="0">
-            <a:noAutofit/>
-          </a:bodyPr>
-          <a:lstStyle>
-            <a:lvl1pPr lvl="0" algn="ctr" rtl="0">
-              <a:spcBef>
-                <a:spcPts val="0"/>
-              </a:spcBef>
-              <a:spcAft>
-                <a:spcPts val="0"/>
-              </a:spcAft>
-              <a:buSzPts val="3500"/>
-              <a:buNone/>
-              <a:defRPr/>
-            </a:lvl1pPr>
-            <a:lvl2pPr lvl="1" rtl="0">
-              <a:spcBef>
-                <a:spcPts val="0"/>
-              </a:spcBef>
-              <a:spcAft>
-                <a:spcPts val="0"/>
-              </a:spcAft>
-              <a:buSzPts val="3500"/>
-              <a:buNone/>
-              <a:defRPr/>
-            </a:lvl2pPr>
-            <a:lvl3pPr lvl="2" rtl="0">
-              <a:spcBef>
-                <a:spcPts val="0"/>
-              </a:spcBef>
-              <a:spcAft>
-                <a:spcPts val="0"/>
-              </a:spcAft>
-              <a:buSzPts val="3500"/>
-              <a:buNone/>
-              <a:defRPr/>
-            </a:lvl3pPr>
-            <a:lvl4pPr lvl="3" rtl="0">
-              <a:spcBef>
-                <a:spcPts val="0"/>
-              </a:spcBef>
-              <a:spcAft>
-                <a:spcPts val="0"/>
-              </a:spcAft>
-              <a:buSzPts val="3500"/>
-              <a:buNone/>
-              <a:defRPr/>
-            </a:lvl4pPr>
-            <a:lvl5pPr lvl="4" rtl="0">
-              <a:spcBef>
-                <a:spcPts val="0"/>
-              </a:spcBef>
-              <a:spcAft>
-                <a:spcPts val="0"/>
-              </a:spcAft>
-              <a:buSzPts val="3500"/>
-              <a:buNone/>
-              <a:defRPr/>
-            </a:lvl5pPr>
-            <a:lvl6pPr lvl="5" rtl="0">
-              <a:spcBef>
-                <a:spcPts val="0"/>
-              </a:spcBef>
-              <a:spcAft>
-                <a:spcPts val="0"/>
-              </a:spcAft>
-              <a:buSzPts val="3500"/>
-              <a:buNone/>
-              <a:defRPr/>
-            </a:lvl6pPr>
-            <a:lvl7pPr lvl="6" rtl="0">
-              <a:spcBef>
-                <a:spcPts val="0"/>
-              </a:spcBef>
-              <a:spcAft>
-                <a:spcPts val="0"/>
-              </a:spcAft>
-              <a:buSzPts val="3500"/>
-              <a:buNone/>
-              <a:defRPr/>
-            </a:lvl7pPr>
-            <a:lvl8pPr lvl="7" rtl="0">
-              <a:spcBef>
-                <a:spcPts val="0"/>
-              </a:spcBef>
-              <a:spcAft>
-                <a:spcPts val="0"/>
-              </a:spcAft>
-              <a:buSzPts val="3500"/>
-              <a:buNone/>
-              <a:defRPr/>
-            </a:lvl8pPr>
-            <a:lvl9pPr lvl="8" rtl="0">
-              <a:spcBef>
-                <a:spcPts val="0"/>
-              </a:spcBef>
-              <a:spcAft>
-                <a:spcPts val="0"/>
-              </a:spcAft>
-              <a:buSzPts val="3500"/>
-              <a:buNone/>
-              <a:defRPr/>
-            </a:lvl9pPr>
-          </a:lstStyle>
-          <a:p>
-            <a:endParaRPr/>
-          </a:p>
-        </p:txBody>
-      </p:sp>
-    </p:spTree>
-  </p:cSld>
-  <p:clrMapOvr>
-    <a:masterClrMapping/>
-  </p:clrMapOvr>
-</p:sldLayout>
-</file>
-
-<file path=ppt/slideLayouts/slideLayout7.xml><?xml version="1.0" encoding="utf-8"?>
 <p:sldLayout xmlns:a="http://schemas.openxmlformats.org/drawingml/2006/main" xmlns:r="http://schemas.openxmlformats.org/officeDocument/2006/relationships" xmlns:p="http://schemas.openxmlformats.org/presentationml/2006/main" matchingName="Title and two columns 1">
   <p:cSld name="TITLE_AND_TWO_COLUMNS_1">
     <p:spTree>
@@ -8013,7 +4704,7 @@
 </p:sldLayout>
 </file>
 
-<file path=ppt/slideLayouts/slideLayout8.xml><?xml version="1.0" encoding="utf-8"?>
+<file path=ppt/slideLayouts/slideLayout7.xml><?xml version="1.0" encoding="utf-8"?>
 <p:sldLayout xmlns:a="http://schemas.openxmlformats.org/drawingml/2006/main" xmlns:r="http://schemas.openxmlformats.org/officeDocument/2006/relationships" xmlns:p="http://schemas.openxmlformats.org/presentationml/2006/main" matchingName="Title and six columns">
   <p:cSld name="CUSTOM_7">
     <p:spTree>
@@ -10391,7 +7082,7 @@
 </p:sldLayout>
 </file>
 
-<file path=ppt/slideLayouts/slideLayout9.xml><?xml version="1.0" encoding="utf-8"?>
+<file path=ppt/slideLayouts/slideLayout8.xml><?xml version="1.0" encoding="utf-8"?>
 <p:sldLayout xmlns:a="http://schemas.openxmlformats.org/drawingml/2006/main" xmlns:r="http://schemas.openxmlformats.org/officeDocument/2006/relationships" xmlns:p="http://schemas.openxmlformats.org/presentationml/2006/main" matchingName="Background">
   <p:cSld name="CUSTOM_9">
     <p:spTree>
@@ -10454,6 +7145,31 @@
           </a:p>
         </p:txBody>
       </p:sp>
+    </p:spTree>
+  </p:cSld>
+  <p:clrMapOvr>
+    <a:masterClrMapping/>
+  </p:clrMapOvr>
+</p:sldLayout>
+</file>
+
+<file path=ppt/slideLayouts/slideLayout9.xml><?xml version="1.0" encoding="utf-8"?>
+<p:sldLayout xmlns:a="http://schemas.openxmlformats.org/drawingml/2006/main" xmlns:r="http://schemas.openxmlformats.org/officeDocument/2006/relationships" xmlns:p="http://schemas.openxmlformats.org/presentationml/2006/main" matchingName="Background 1">
+  <p:cSld name="CUSTOM_9_1">
+    <p:spTree>
+      <p:nvGrpSpPr>
+        <p:cNvPr id="1" name="Shape 169"/>
+        <p:cNvGrpSpPr/>
+        <p:nvPr/>
+      </p:nvGrpSpPr>
+      <p:grpSpPr>
+        <a:xfrm>
+          <a:off x="0" y="0"/>
+          <a:ext cx="0" cy="0"/>
+          <a:chOff x="0" y="0"/>
+          <a:chExt cx="0" cy="0"/>
+        </a:xfrm>
+      </p:grpSpPr>
     </p:spTree>
   </p:cSld>
   <p:clrMapOvr>
@@ -11016,11 +7732,10 @@
     <p:sldLayoutId id="2147483655" r:id="rId3"/>
     <p:sldLayoutId id="2147483656" r:id="rId4"/>
     <p:sldLayoutId id="2147483658" r:id="rId5"/>
-    <p:sldLayoutId id="2147483659" r:id="rId6"/>
-    <p:sldLayoutId id="2147483664" r:id="rId7"/>
-    <p:sldLayoutId id="2147483668" r:id="rId8"/>
-    <p:sldLayoutId id="2147483672" r:id="rId9"/>
-    <p:sldLayoutId id="2147483673" r:id="rId10"/>
+    <p:sldLayoutId id="2147483664" r:id="rId6"/>
+    <p:sldLayoutId id="2147483668" r:id="rId7"/>
+    <p:sldLayoutId id="2147483672" r:id="rId8"/>
+    <p:sldLayoutId id="2147483673" r:id="rId9"/>
   </p:sldLayoutIdLst>
   <p:hf hdr="0" ftr="0" dt="0"/>
   <p:txStyles>
@@ -11882,28 +8597,9 @@
 <file path=ppt/slides/slide10.xml><?xml version="1.0" encoding="utf-8"?>
 <p:sld xmlns:a="http://schemas.openxmlformats.org/drawingml/2006/main" xmlns:r="http://schemas.openxmlformats.org/officeDocument/2006/relationships" xmlns:p="http://schemas.openxmlformats.org/presentationml/2006/main">
   <p:cSld>
-    <p:bg>
-      <p:bgPr>
-        <a:gradFill>
-          <a:gsLst>
-            <a:gs pos="0">
-              <a:schemeClr val="lt1"/>
-            </a:gs>
-            <a:gs pos="18000">
-              <a:schemeClr val="lt1"/>
-            </a:gs>
-            <a:gs pos="100000">
-              <a:schemeClr val="dk2"/>
-            </a:gs>
-          </a:gsLst>
-          <a:lin ang="5400012" scaled="0"/>
-        </a:gradFill>
-        <a:effectLst/>
-      </p:bgPr>
-    </p:bg>
     <p:spTree>
       <p:nvGrpSpPr>
-        <p:cNvPr id="1" name="Shape 195"/>
+        <p:cNvPr id="1" name="Shape 318"/>
         <p:cNvGrpSpPr/>
         <p:nvPr/>
       </p:nvGrpSpPr>
@@ -11917,17 +8613,17 @@
       </p:grpSpPr>
       <p:sp>
         <p:nvSpPr>
-          <p:cNvPr id="196" name="Google Shape;196;p33"/>
+          <p:cNvPr id="321" name="Google Shape;321;p41"/>
           <p:cNvSpPr txBox="1">
             <a:spLocks noGrp="1"/>
           </p:cNvSpPr>
           <p:nvPr>
-            <p:ph type="title" idx="21"/>
+            <p:ph type="title"/>
           </p:nvPr>
         </p:nvSpPr>
         <p:spPr>
           <a:xfrm>
-            <a:off x="720000" y="521225"/>
+            <a:off x="720000" y="627360"/>
             <a:ext cx="7704000" cy="572700"/>
           </a:xfrm>
           <a:prstGeom prst="rect">
@@ -11950,27 +8646,27 @@
               <a:buNone/>
             </a:pPr>
             <a:r>
-              <a:rPr lang="en"/>
-              <a:t>Table of contents</a:t>
+              <a:rPr lang="en-US" dirty="0"/>
+              <a:t>Synchronization</a:t>
             </a:r>
-            <a:endParaRPr/>
+            <a:endParaRPr dirty="0"/>
           </a:p>
         </p:txBody>
       </p:sp>
       <p:sp>
         <p:nvSpPr>
-          <p:cNvPr id="197" name="Google Shape;197;p33"/>
+          <p:cNvPr id="322" name="Google Shape;322;p41"/>
           <p:cNvSpPr txBox="1">
             <a:spLocks noGrp="1"/>
           </p:cNvSpPr>
           <p:nvPr>
-            <p:ph type="subTitle" idx="3"/>
+            <p:ph type="subTitle" idx="1"/>
           </p:nvPr>
         </p:nvSpPr>
         <p:spPr>
           <a:xfrm>
-            <a:off x="818171" y="3976891"/>
-            <a:ext cx="2246700" cy="572700"/>
+            <a:off x="547778" y="1540101"/>
+            <a:ext cx="8048444" cy="3082174"/>
           </a:xfrm>
           <a:prstGeom prst="rect">
             <a:avLst/>
@@ -11982,738 +8678,93 @@
           </a:bodyPr>
           <a:lstStyle/>
           <a:p>
-            <a:pPr marL="0" lvl="0" indent="0" algn="ctr" rtl="0">
-              <a:spcBef>
-                <a:spcPts val="0"/>
-              </a:spcBef>
-              <a:spcAft>
-                <a:spcPts val="0"/>
-              </a:spcAft>
-              <a:buNone/>
+            <a:pPr marL="0" lvl="0" indent="0" algn="l" rtl="0">
+              <a:spcBef>
+                <a:spcPts val="0"/>
+              </a:spcBef>
+              <a:spcAft>
+                <a:spcPts val="0"/>
+              </a:spcAft>
             </a:pPr>
-            <a:r>
-              <a:rPr lang="en"/>
-              <a:t>You can describe the topic of the section here</a:t>
-            </a:r>
-            <a:endParaRPr sz="1600"/>
+            <a:endParaRPr lang="en" sz="1600" dirty="0"/>
+          </a:p>
+          <a:p>
+            <a:pPr marL="285750" lvl="0" indent="-285750" algn="l" rtl="0">
+              <a:spcBef>
+                <a:spcPts val="0"/>
+              </a:spcBef>
+              <a:spcAft>
+                <a:spcPts val="0"/>
+              </a:spcAft>
+              <a:buFontTx/>
+              <a:buChar char="-"/>
+            </a:pPr>
+            <a:endParaRPr lang="en" sz="1600" dirty="0"/>
+          </a:p>
+          <a:p>
+            <a:pPr marL="285750" lvl="0" indent="-285750" algn="l" rtl="0">
+              <a:spcBef>
+                <a:spcPts val="0"/>
+              </a:spcBef>
+              <a:spcAft>
+                <a:spcPts val="0"/>
+              </a:spcAft>
+              <a:buFontTx/>
+              <a:buChar char="-"/>
+            </a:pPr>
+            <a:endParaRPr lang="en" sz="1600" dirty="0"/>
+          </a:p>
+          <a:p>
+            <a:pPr marL="285750" lvl="0" indent="-285750" algn="l" rtl="0">
+              <a:spcBef>
+                <a:spcPts val="0"/>
+              </a:spcBef>
+              <a:spcAft>
+                <a:spcPts val="0"/>
+              </a:spcAft>
+              <a:buFontTx/>
+              <a:buChar char="-"/>
+            </a:pPr>
+            <a:endParaRPr sz="1600" dirty="0"/>
           </a:p>
         </p:txBody>
       </p:sp>
-      <p:sp>
-        <p:nvSpPr>
-          <p:cNvPr id="198" name="Google Shape;198;p33"/>
-          <p:cNvSpPr txBox="1">
-            <a:spLocks noGrp="1"/>
-          </p:cNvSpPr>
-          <p:nvPr>
-            <p:ph type="subTitle" idx="1"/>
-          </p:nvPr>
-        </p:nvSpPr>
+      <p:pic>
+        <p:nvPicPr>
+          <p:cNvPr id="4" name="Immagine 3">
+            <a:extLst>
+              <a:ext uri="{FF2B5EF4-FFF2-40B4-BE49-F238E27FC236}">
+                <a16:creationId xmlns:a16="http://schemas.microsoft.com/office/drawing/2014/main" id="{AE38A32C-331B-F12D-ADA0-CE1D32478E65}"/>
+              </a:ext>
+            </a:extLst>
+          </p:cNvPr>
+          <p:cNvPicPr>
+            <a:picLocks noChangeAspect="1"/>
+          </p:cNvPicPr>
+          <p:nvPr/>
+        </p:nvPicPr>
+        <p:blipFill>
+          <a:blip r:embed="rId3"/>
+          <a:stretch>
+            <a:fillRect/>
+          </a:stretch>
+        </p:blipFill>
         <p:spPr>
           <a:xfrm>
-            <a:off x="818171" y="2240379"/>
-            <a:ext cx="2246700" cy="572700"/>
+            <a:off x="1544148" y="1408579"/>
+            <a:ext cx="6055704" cy="3027852"/>
           </a:xfrm>
           <a:prstGeom prst="rect">
             <a:avLst/>
           </a:prstGeom>
         </p:spPr>
-        <p:txBody>
-          <a:bodyPr spcFirstLastPara="1" wrap="square" lIns="91425" tIns="91425" rIns="91425" bIns="91425" anchor="t" anchorCtr="0">
-            <a:noAutofit/>
-          </a:bodyPr>
-          <a:lstStyle/>
-          <a:p>
-            <a:pPr marL="0" lvl="0" indent="0" algn="ctr" rtl="0">
-              <a:spcBef>
-                <a:spcPts val="0"/>
-              </a:spcBef>
-              <a:spcAft>
-                <a:spcPts val="0"/>
-              </a:spcAft>
-              <a:buNone/>
-            </a:pPr>
-            <a:r>
-              <a:rPr lang="en"/>
-              <a:t>You can describe the topic of the section here</a:t>
-            </a:r>
-            <a:endParaRPr/>
-          </a:p>
-        </p:txBody>
-      </p:sp>
-      <p:sp>
-        <p:nvSpPr>
-          <p:cNvPr id="199" name="Google Shape;199;p33"/>
-          <p:cNvSpPr txBox="1">
-            <a:spLocks noGrp="1"/>
-          </p:cNvSpPr>
-          <p:nvPr>
-            <p:ph type="subTitle" idx="2"/>
-          </p:nvPr>
-        </p:nvSpPr>
-        <p:spPr>
-          <a:xfrm>
-            <a:off x="3448650" y="2240379"/>
-            <a:ext cx="2246700" cy="572700"/>
-          </a:xfrm>
-          <a:prstGeom prst="rect">
-            <a:avLst/>
-          </a:prstGeom>
-        </p:spPr>
-        <p:txBody>
-          <a:bodyPr spcFirstLastPara="1" wrap="square" lIns="91425" tIns="91425" rIns="91425" bIns="91425" anchor="t" anchorCtr="0">
-            <a:noAutofit/>
-          </a:bodyPr>
-          <a:lstStyle/>
-          <a:p>
-            <a:pPr marL="0" lvl="0" indent="0" algn="ctr" rtl="0">
-              <a:spcBef>
-                <a:spcPts val="0"/>
-              </a:spcBef>
-              <a:spcAft>
-                <a:spcPts val="0"/>
-              </a:spcAft>
-              <a:buNone/>
-            </a:pPr>
-            <a:r>
-              <a:rPr lang="en"/>
-              <a:t>You can describe the topic of the section here</a:t>
-            </a:r>
-            <a:endParaRPr/>
-          </a:p>
-        </p:txBody>
-      </p:sp>
-      <p:sp>
-        <p:nvSpPr>
-          <p:cNvPr id="200" name="Google Shape;200;p33"/>
-          <p:cNvSpPr txBox="1">
-            <a:spLocks noGrp="1"/>
-          </p:cNvSpPr>
-          <p:nvPr>
-            <p:ph type="subTitle" idx="4"/>
-          </p:nvPr>
-        </p:nvSpPr>
-        <p:spPr>
-          <a:xfrm>
-            <a:off x="3448650" y="3976891"/>
-            <a:ext cx="2246700" cy="572700"/>
-          </a:xfrm>
-          <a:prstGeom prst="rect">
-            <a:avLst/>
-          </a:prstGeom>
-        </p:spPr>
-        <p:txBody>
-          <a:bodyPr spcFirstLastPara="1" wrap="square" lIns="91425" tIns="91425" rIns="91425" bIns="91425" anchor="t" anchorCtr="0">
-            <a:noAutofit/>
-          </a:bodyPr>
-          <a:lstStyle/>
-          <a:p>
-            <a:pPr marL="0" lvl="0" indent="0" algn="ctr" rtl="0">
-              <a:spcBef>
-                <a:spcPts val="0"/>
-              </a:spcBef>
-              <a:spcAft>
-                <a:spcPts val="0"/>
-              </a:spcAft>
-              <a:buNone/>
-            </a:pPr>
-            <a:r>
-              <a:rPr lang="en"/>
-              <a:t>You can describe the topic of the section here</a:t>
-            </a:r>
-            <a:endParaRPr/>
-          </a:p>
-        </p:txBody>
-      </p:sp>
-      <p:sp>
-        <p:nvSpPr>
-          <p:cNvPr id="201" name="Google Shape;201;p33"/>
-          <p:cNvSpPr txBox="1">
-            <a:spLocks noGrp="1"/>
-          </p:cNvSpPr>
-          <p:nvPr>
-            <p:ph type="subTitle" idx="5"/>
-          </p:nvPr>
-        </p:nvSpPr>
-        <p:spPr>
-          <a:xfrm>
-            <a:off x="6079129" y="2240379"/>
-            <a:ext cx="2246700" cy="572700"/>
-          </a:xfrm>
-          <a:prstGeom prst="rect">
-            <a:avLst/>
-          </a:prstGeom>
-        </p:spPr>
-        <p:txBody>
-          <a:bodyPr spcFirstLastPara="1" wrap="square" lIns="91425" tIns="91425" rIns="91425" bIns="91425" anchor="t" anchorCtr="0">
-            <a:noAutofit/>
-          </a:bodyPr>
-          <a:lstStyle/>
-          <a:p>
-            <a:pPr marL="0" lvl="0" indent="0" algn="ctr" rtl="0">
-              <a:spcBef>
-                <a:spcPts val="0"/>
-              </a:spcBef>
-              <a:spcAft>
-                <a:spcPts val="0"/>
-              </a:spcAft>
-              <a:buNone/>
-            </a:pPr>
-            <a:r>
-              <a:rPr lang="en"/>
-              <a:t>You can describe the topic of the section here</a:t>
-            </a:r>
-            <a:endParaRPr/>
-          </a:p>
-        </p:txBody>
-      </p:sp>
-      <p:sp>
-        <p:nvSpPr>
-          <p:cNvPr id="202" name="Google Shape;202;p33"/>
-          <p:cNvSpPr txBox="1">
-            <a:spLocks noGrp="1"/>
-          </p:cNvSpPr>
-          <p:nvPr>
-            <p:ph type="subTitle" idx="6"/>
-          </p:nvPr>
-        </p:nvSpPr>
-        <p:spPr>
-          <a:xfrm>
-            <a:off x="6079129" y="3976891"/>
-            <a:ext cx="2246700" cy="572700"/>
-          </a:xfrm>
-          <a:prstGeom prst="rect">
-            <a:avLst/>
-          </a:prstGeom>
-        </p:spPr>
-        <p:txBody>
-          <a:bodyPr spcFirstLastPara="1" wrap="square" lIns="91425" tIns="91425" rIns="91425" bIns="91425" anchor="t" anchorCtr="0">
-            <a:noAutofit/>
-          </a:bodyPr>
-          <a:lstStyle/>
-          <a:p>
-            <a:pPr marL="0" lvl="0" indent="0" algn="ctr" rtl="0">
-              <a:spcBef>
-                <a:spcPts val="0"/>
-              </a:spcBef>
-              <a:spcAft>
-                <a:spcPts val="0"/>
-              </a:spcAft>
-              <a:buNone/>
-            </a:pPr>
-            <a:r>
-              <a:rPr lang="en"/>
-              <a:t>You can describe the topic of the section here</a:t>
-            </a:r>
-            <a:endParaRPr/>
-          </a:p>
-        </p:txBody>
-      </p:sp>
-      <p:sp>
-        <p:nvSpPr>
-          <p:cNvPr id="203" name="Google Shape;203;p33"/>
-          <p:cNvSpPr txBox="1">
-            <a:spLocks noGrp="1"/>
-          </p:cNvSpPr>
-          <p:nvPr>
-            <p:ph type="title"/>
-          </p:nvPr>
-        </p:nvSpPr>
-        <p:spPr>
-          <a:xfrm>
-            <a:off x="1583471" y="1282064"/>
-            <a:ext cx="716100" cy="484800"/>
-          </a:xfrm>
-          <a:prstGeom prst="rect">
-            <a:avLst/>
-          </a:prstGeom>
-        </p:spPr>
-        <p:txBody>
-          <a:bodyPr spcFirstLastPara="1" wrap="square" lIns="91425" tIns="91425" rIns="91425" bIns="91425" anchor="ctr" anchorCtr="0">
-            <a:noAutofit/>
-          </a:bodyPr>
-          <a:lstStyle/>
-          <a:p>
-            <a:pPr marL="0" lvl="0" indent="0" algn="ctr" rtl="0">
-              <a:spcBef>
-                <a:spcPts val="0"/>
-              </a:spcBef>
-              <a:spcAft>
-                <a:spcPts val="0"/>
-              </a:spcAft>
-              <a:buNone/>
-            </a:pPr>
-            <a:r>
-              <a:rPr lang="en"/>
-              <a:t>01</a:t>
-            </a:r>
-            <a:endParaRPr/>
-          </a:p>
-        </p:txBody>
-      </p:sp>
-      <p:sp>
-        <p:nvSpPr>
-          <p:cNvPr id="204" name="Google Shape;204;p33"/>
-          <p:cNvSpPr txBox="1">
-            <a:spLocks noGrp="1"/>
-          </p:cNvSpPr>
-          <p:nvPr>
-            <p:ph type="title" idx="7"/>
-          </p:nvPr>
-        </p:nvSpPr>
-        <p:spPr>
-          <a:xfrm>
-            <a:off x="1583471" y="3018089"/>
-            <a:ext cx="716100" cy="484800"/>
-          </a:xfrm>
-          <a:prstGeom prst="rect">
-            <a:avLst/>
-          </a:prstGeom>
-        </p:spPr>
-        <p:txBody>
-          <a:bodyPr spcFirstLastPara="1" wrap="square" lIns="91425" tIns="91425" rIns="91425" bIns="91425" anchor="ctr" anchorCtr="0">
-            <a:noAutofit/>
-          </a:bodyPr>
-          <a:lstStyle/>
-          <a:p>
-            <a:pPr marL="0" lvl="0" indent="0" algn="ctr" rtl="0">
-              <a:spcBef>
-                <a:spcPts val="0"/>
-              </a:spcBef>
-              <a:spcAft>
-                <a:spcPts val="0"/>
-              </a:spcAft>
-              <a:buNone/>
-            </a:pPr>
-            <a:r>
-              <a:rPr lang="en"/>
-              <a:t>04</a:t>
-            </a:r>
-            <a:endParaRPr/>
-          </a:p>
-        </p:txBody>
-      </p:sp>
-      <p:sp>
-        <p:nvSpPr>
-          <p:cNvPr id="205" name="Google Shape;205;p33"/>
-          <p:cNvSpPr txBox="1">
-            <a:spLocks noGrp="1"/>
-          </p:cNvSpPr>
-          <p:nvPr>
-            <p:ph type="title" idx="8"/>
-          </p:nvPr>
-        </p:nvSpPr>
-        <p:spPr>
-          <a:xfrm>
-            <a:off x="4213950" y="1282064"/>
-            <a:ext cx="716100" cy="484800"/>
-          </a:xfrm>
-          <a:prstGeom prst="rect">
-            <a:avLst/>
-          </a:prstGeom>
-        </p:spPr>
-        <p:txBody>
-          <a:bodyPr spcFirstLastPara="1" wrap="square" lIns="91425" tIns="91425" rIns="91425" bIns="91425" anchor="ctr" anchorCtr="0">
-            <a:noAutofit/>
-          </a:bodyPr>
-          <a:lstStyle/>
-          <a:p>
-            <a:pPr marL="0" lvl="0" indent="0" algn="ctr" rtl="0">
-              <a:spcBef>
-                <a:spcPts val="0"/>
-              </a:spcBef>
-              <a:spcAft>
-                <a:spcPts val="0"/>
-              </a:spcAft>
-              <a:buNone/>
-            </a:pPr>
-            <a:r>
-              <a:rPr lang="en"/>
-              <a:t>02</a:t>
-            </a:r>
-            <a:endParaRPr/>
-          </a:p>
-        </p:txBody>
-      </p:sp>
-      <p:sp>
-        <p:nvSpPr>
-          <p:cNvPr id="206" name="Google Shape;206;p33"/>
-          <p:cNvSpPr txBox="1">
-            <a:spLocks noGrp="1"/>
-          </p:cNvSpPr>
-          <p:nvPr>
-            <p:ph type="title" idx="9"/>
-          </p:nvPr>
-        </p:nvSpPr>
-        <p:spPr>
-          <a:xfrm>
-            <a:off x="4213950" y="3018089"/>
-            <a:ext cx="716100" cy="484800"/>
-          </a:xfrm>
-          <a:prstGeom prst="rect">
-            <a:avLst/>
-          </a:prstGeom>
-        </p:spPr>
-        <p:txBody>
-          <a:bodyPr spcFirstLastPara="1" wrap="square" lIns="91425" tIns="91425" rIns="91425" bIns="91425" anchor="ctr" anchorCtr="0">
-            <a:noAutofit/>
-          </a:bodyPr>
-          <a:lstStyle/>
-          <a:p>
-            <a:pPr marL="0" lvl="0" indent="0" algn="ctr" rtl="0">
-              <a:spcBef>
-                <a:spcPts val="0"/>
-              </a:spcBef>
-              <a:spcAft>
-                <a:spcPts val="0"/>
-              </a:spcAft>
-              <a:buNone/>
-            </a:pPr>
-            <a:r>
-              <a:rPr lang="en"/>
-              <a:t>05</a:t>
-            </a:r>
-            <a:endParaRPr/>
-          </a:p>
-        </p:txBody>
-      </p:sp>
-      <p:sp>
-        <p:nvSpPr>
-          <p:cNvPr id="207" name="Google Shape;207;p33"/>
-          <p:cNvSpPr txBox="1">
-            <a:spLocks noGrp="1"/>
-          </p:cNvSpPr>
-          <p:nvPr>
-            <p:ph type="title" idx="13"/>
-          </p:nvPr>
-        </p:nvSpPr>
-        <p:spPr>
-          <a:xfrm>
-            <a:off x="6844429" y="1282064"/>
-            <a:ext cx="716100" cy="484800"/>
-          </a:xfrm>
-          <a:prstGeom prst="rect">
-            <a:avLst/>
-          </a:prstGeom>
-        </p:spPr>
-        <p:txBody>
-          <a:bodyPr spcFirstLastPara="1" wrap="square" lIns="91425" tIns="91425" rIns="91425" bIns="91425" anchor="ctr" anchorCtr="0">
-            <a:noAutofit/>
-          </a:bodyPr>
-          <a:lstStyle/>
-          <a:p>
-            <a:pPr marL="0" lvl="0" indent="0" algn="ctr" rtl="0">
-              <a:spcBef>
-                <a:spcPts val="0"/>
-              </a:spcBef>
-              <a:spcAft>
-                <a:spcPts val="0"/>
-              </a:spcAft>
-              <a:buNone/>
-            </a:pPr>
-            <a:r>
-              <a:rPr lang="en"/>
-              <a:t>03</a:t>
-            </a:r>
-            <a:endParaRPr/>
-          </a:p>
-        </p:txBody>
-      </p:sp>
-      <p:sp>
-        <p:nvSpPr>
-          <p:cNvPr id="208" name="Google Shape;208;p33"/>
-          <p:cNvSpPr txBox="1">
-            <a:spLocks noGrp="1"/>
-          </p:cNvSpPr>
-          <p:nvPr>
-            <p:ph type="title" idx="14"/>
-          </p:nvPr>
-        </p:nvSpPr>
-        <p:spPr>
-          <a:xfrm>
-            <a:off x="6844429" y="3018089"/>
-            <a:ext cx="716100" cy="484800"/>
-          </a:xfrm>
-          <a:prstGeom prst="rect">
-            <a:avLst/>
-          </a:prstGeom>
-        </p:spPr>
-        <p:txBody>
-          <a:bodyPr spcFirstLastPara="1" wrap="square" lIns="91425" tIns="91425" rIns="91425" bIns="91425" anchor="ctr" anchorCtr="0">
-            <a:noAutofit/>
-          </a:bodyPr>
-          <a:lstStyle/>
-          <a:p>
-            <a:pPr marL="0" lvl="0" indent="0" algn="ctr" rtl="0">
-              <a:spcBef>
-                <a:spcPts val="0"/>
-              </a:spcBef>
-              <a:spcAft>
-                <a:spcPts val="0"/>
-              </a:spcAft>
-              <a:buNone/>
-            </a:pPr>
-            <a:r>
-              <a:rPr lang="en"/>
-              <a:t>06</a:t>
-            </a:r>
-            <a:endParaRPr/>
-          </a:p>
-        </p:txBody>
-      </p:sp>
-      <p:sp>
-        <p:nvSpPr>
-          <p:cNvPr id="209" name="Google Shape;209;p33"/>
-          <p:cNvSpPr txBox="1">
-            <a:spLocks noGrp="1"/>
-          </p:cNvSpPr>
-          <p:nvPr>
-            <p:ph type="subTitle" idx="15"/>
-          </p:nvPr>
-        </p:nvSpPr>
-        <p:spPr>
-          <a:xfrm>
-            <a:off x="818171" y="1908498"/>
-            <a:ext cx="2246700" cy="484800"/>
-          </a:xfrm>
-          <a:prstGeom prst="rect">
-            <a:avLst/>
-          </a:prstGeom>
-        </p:spPr>
-        <p:txBody>
-          <a:bodyPr spcFirstLastPara="1" wrap="square" lIns="91425" tIns="91425" rIns="91425" bIns="91425" anchor="b" anchorCtr="0">
-            <a:noAutofit/>
-          </a:bodyPr>
-          <a:lstStyle/>
-          <a:p>
-            <a:pPr marL="0" lvl="0" indent="0" algn="ctr" rtl="0">
-              <a:spcBef>
-                <a:spcPts val="0"/>
-              </a:spcBef>
-              <a:spcAft>
-                <a:spcPts val="0"/>
-              </a:spcAft>
-              <a:buNone/>
-            </a:pPr>
-            <a:r>
-              <a:rPr lang="en"/>
-              <a:t>Section</a:t>
-            </a:r>
-            <a:endParaRPr/>
-          </a:p>
-        </p:txBody>
-      </p:sp>
-      <p:sp>
-        <p:nvSpPr>
-          <p:cNvPr id="210" name="Google Shape;210;p33"/>
-          <p:cNvSpPr txBox="1">
-            <a:spLocks noGrp="1"/>
-          </p:cNvSpPr>
-          <p:nvPr>
-            <p:ph type="subTitle" idx="16"/>
-          </p:nvPr>
-        </p:nvSpPr>
-        <p:spPr>
-          <a:xfrm>
-            <a:off x="3448650" y="1908498"/>
-            <a:ext cx="2246700" cy="484800"/>
-          </a:xfrm>
-          <a:prstGeom prst="rect">
-            <a:avLst/>
-          </a:prstGeom>
-        </p:spPr>
-        <p:txBody>
-          <a:bodyPr spcFirstLastPara="1" wrap="square" lIns="91425" tIns="91425" rIns="91425" bIns="91425" anchor="b" anchorCtr="0">
-            <a:noAutofit/>
-          </a:bodyPr>
-          <a:lstStyle/>
-          <a:p>
-            <a:pPr marL="0" lvl="0" indent="0" algn="ctr" rtl="0">
-              <a:spcBef>
-                <a:spcPts val="0"/>
-              </a:spcBef>
-              <a:spcAft>
-                <a:spcPts val="0"/>
-              </a:spcAft>
-              <a:buNone/>
-            </a:pPr>
-            <a:r>
-              <a:rPr lang="en"/>
-              <a:t>Section</a:t>
-            </a:r>
-            <a:endParaRPr/>
-          </a:p>
-        </p:txBody>
-      </p:sp>
-      <p:sp>
-        <p:nvSpPr>
-          <p:cNvPr id="211" name="Google Shape;211;p33"/>
-          <p:cNvSpPr txBox="1">
-            <a:spLocks noGrp="1"/>
-          </p:cNvSpPr>
-          <p:nvPr>
-            <p:ph type="subTitle" idx="17"/>
-          </p:nvPr>
-        </p:nvSpPr>
-        <p:spPr>
-          <a:xfrm>
-            <a:off x="6079129" y="1908498"/>
-            <a:ext cx="2246700" cy="484800"/>
-          </a:xfrm>
-          <a:prstGeom prst="rect">
-            <a:avLst/>
-          </a:prstGeom>
-        </p:spPr>
-        <p:txBody>
-          <a:bodyPr spcFirstLastPara="1" wrap="square" lIns="91425" tIns="91425" rIns="91425" bIns="91425" anchor="b" anchorCtr="0">
-            <a:noAutofit/>
-          </a:bodyPr>
-          <a:lstStyle/>
-          <a:p>
-            <a:pPr marL="0" lvl="0" indent="0" algn="ctr" rtl="0">
-              <a:spcBef>
-                <a:spcPts val="0"/>
-              </a:spcBef>
-              <a:spcAft>
-                <a:spcPts val="0"/>
-              </a:spcAft>
-              <a:buNone/>
-            </a:pPr>
-            <a:r>
-              <a:rPr lang="en"/>
-              <a:t>Section</a:t>
-            </a:r>
-            <a:endParaRPr/>
-          </a:p>
-        </p:txBody>
-      </p:sp>
-      <p:sp>
-        <p:nvSpPr>
-          <p:cNvPr id="212" name="Google Shape;212;p33"/>
-          <p:cNvSpPr txBox="1">
-            <a:spLocks noGrp="1"/>
-          </p:cNvSpPr>
-          <p:nvPr>
-            <p:ph type="subTitle" idx="18"/>
-          </p:nvPr>
-        </p:nvSpPr>
-        <p:spPr>
-          <a:xfrm>
-            <a:off x="818171" y="3644491"/>
-            <a:ext cx="2246700" cy="484800"/>
-          </a:xfrm>
-          <a:prstGeom prst="rect">
-            <a:avLst/>
-          </a:prstGeom>
-        </p:spPr>
-        <p:txBody>
-          <a:bodyPr spcFirstLastPara="1" wrap="square" lIns="91425" tIns="91425" rIns="91425" bIns="91425" anchor="b" anchorCtr="0">
-            <a:noAutofit/>
-          </a:bodyPr>
-          <a:lstStyle/>
-          <a:p>
-            <a:pPr marL="0" lvl="0" indent="0" algn="ctr" rtl="0">
-              <a:spcBef>
-                <a:spcPts val="0"/>
-              </a:spcBef>
-              <a:spcAft>
-                <a:spcPts val="0"/>
-              </a:spcAft>
-              <a:buNone/>
-            </a:pPr>
-            <a:r>
-              <a:rPr lang="en"/>
-              <a:t>Section</a:t>
-            </a:r>
-            <a:endParaRPr/>
-          </a:p>
-        </p:txBody>
-      </p:sp>
-      <p:sp>
-        <p:nvSpPr>
-          <p:cNvPr id="213" name="Google Shape;213;p33"/>
-          <p:cNvSpPr txBox="1">
-            <a:spLocks noGrp="1"/>
-          </p:cNvSpPr>
-          <p:nvPr>
-            <p:ph type="subTitle" idx="19"/>
-          </p:nvPr>
-        </p:nvSpPr>
-        <p:spPr>
-          <a:xfrm>
-            <a:off x="3448650" y="3644491"/>
-            <a:ext cx="2246700" cy="484800"/>
-          </a:xfrm>
-          <a:prstGeom prst="rect">
-            <a:avLst/>
-          </a:prstGeom>
-        </p:spPr>
-        <p:txBody>
-          <a:bodyPr spcFirstLastPara="1" wrap="square" lIns="91425" tIns="91425" rIns="91425" bIns="91425" anchor="b" anchorCtr="0">
-            <a:noAutofit/>
-          </a:bodyPr>
-          <a:lstStyle/>
-          <a:p>
-            <a:pPr marL="0" lvl="0" indent="0" algn="ctr" rtl="0">
-              <a:spcBef>
-                <a:spcPts val="0"/>
-              </a:spcBef>
-              <a:spcAft>
-                <a:spcPts val="0"/>
-              </a:spcAft>
-              <a:buNone/>
-            </a:pPr>
-            <a:r>
-              <a:rPr lang="en"/>
-              <a:t>Section</a:t>
-            </a:r>
-            <a:endParaRPr/>
-          </a:p>
-        </p:txBody>
-      </p:sp>
-      <p:sp>
-        <p:nvSpPr>
-          <p:cNvPr id="214" name="Google Shape;214;p33"/>
-          <p:cNvSpPr txBox="1">
-            <a:spLocks noGrp="1"/>
-          </p:cNvSpPr>
-          <p:nvPr>
-            <p:ph type="subTitle" idx="20"/>
-          </p:nvPr>
-        </p:nvSpPr>
-        <p:spPr>
-          <a:xfrm>
-            <a:off x="6079129" y="3644491"/>
-            <a:ext cx="2246700" cy="484800"/>
-          </a:xfrm>
-          <a:prstGeom prst="rect">
-            <a:avLst/>
-          </a:prstGeom>
-        </p:spPr>
-        <p:txBody>
-          <a:bodyPr spcFirstLastPara="1" wrap="square" lIns="91425" tIns="91425" rIns="91425" bIns="91425" anchor="b" anchorCtr="0">
-            <a:noAutofit/>
-          </a:bodyPr>
-          <a:lstStyle/>
-          <a:p>
-            <a:pPr marL="0" lvl="0" indent="0" algn="ctr" rtl="0">
-              <a:spcBef>
-                <a:spcPts val="0"/>
-              </a:spcBef>
-              <a:spcAft>
-                <a:spcPts val="0"/>
-              </a:spcAft>
-              <a:buNone/>
-            </a:pPr>
-            <a:r>
-              <a:rPr lang="en"/>
-              <a:t>Section</a:t>
-            </a:r>
-            <a:endParaRPr/>
-          </a:p>
-        </p:txBody>
-      </p:sp>
+      </p:pic>
     </p:spTree>
+    <p:extLst>
+      <p:ext uri="{BB962C8B-B14F-4D97-AF65-F5344CB8AC3E}">
+        <p14:creationId xmlns:p14="http://schemas.microsoft.com/office/powerpoint/2010/main" val="1943673632"/>
+      </p:ext>
+    </p:extLst>
   </p:cSld>
   <p:clrMapOvr>
     <a:masterClrMapping/>
@@ -13227,7 +9278,7 @@
         </p:nvSpPr>
         <p:spPr>
           <a:xfrm>
-            <a:off x="1873789" y="530678"/>
+            <a:off x="1873789" y="342420"/>
             <a:ext cx="5396422" cy="898842"/>
           </a:xfrm>
           <a:prstGeom prst="rect">
@@ -13251,9 +9302,108 @@
             </a:pPr>
             <a:r>
               <a:rPr lang="en" sz="4800" dirty="0"/>
-              <a:t>Be Open Source!</a:t>
+              <a:t>Go Open Source!</a:t>
             </a:r>
             <a:endParaRPr sz="4800" dirty="0"/>
+          </a:p>
+        </p:txBody>
+      </p:sp>
+      <p:pic>
+        <p:nvPicPr>
+          <p:cNvPr id="3" name="Immagine 2">
+            <a:extLst>
+              <a:ext uri="{FF2B5EF4-FFF2-40B4-BE49-F238E27FC236}">
+                <a16:creationId xmlns:a16="http://schemas.microsoft.com/office/drawing/2014/main" id="{9E8D2021-9C84-5E1A-E121-C9FEB9F085B6}"/>
+              </a:ext>
+            </a:extLst>
+          </p:cNvPr>
+          <p:cNvPicPr>
+            <a:picLocks noChangeAspect="1"/>
+          </p:cNvPicPr>
+          <p:nvPr/>
+        </p:nvPicPr>
+        <p:blipFill>
+          <a:blip r:embed="rId3"/>
+          <a:stretch>
+            <a:fillRect/>
+          </a:stretch>
+        </p:blipFill>
+        <p:spPr>
+          <a:xfrm>
+            <a:off x="993401" y="1295050"/>
+            <a:ext cx="7157198" cy="2924259"/>
+          </a:xfrm>
+          <a:prstGeom prst="rect">
+            <a:avLst/>
+          </a:prstGeom>
+        </p:spPr>
+        <p:style>
+          <a:lnRef idx="3">
+            <a:schemeClr val="lt1"/>
+          </a:lnRef>
+          <a:fillRef idx="1">
+            <a:schemeClr val="dk1"/>
+          </a:fillRef>
+          <a:effectRef idx="1">
+            <a:schemeClr val="dk1"/>
+          </a:effectRef>
+          <a:fontRef idx="minor">
+            <a:schemeClr val="lt1"/>
+          </a:fontRef>
+        </p:style>
+      </p:pic>
+      <p:sp>
+        <p:nvSpPr>
+          <p:cNvPr id="4" name="CasellaDiTesto 3">
+            <a:extLst>
+              <a:ext uri="{FF2B5EF4-FFF2-40B4-BE49-F238E27FC236}">
+                <a16:creationId xmlns:a16="http://schemas.microsoft.com/office/drawing/2014/main" id="{B8C3AD33-0A04-AC43-9370-F76C48E084F2}"/>
+              </a:ext>
+            </a:extLst>
+          </p:cNvPr>
+          <p:cNvSpPr txBox="1"/>
+          <p:nvPr/>
+        </p:nvSpPr>
+        <p:spPr>
+          <a:xfrm>
+            <a:off x="1172407" y="4370294"/>
+            <a:ext cx="6978192" cy="307777"/>
+          </a:xfrm>
+          <a:prstGeom prst="rect">
+            <a:avLst/>
+          </a:prstGeom>
+          <a:solidFill>
+            <a:schemeClr val="bg1">
+              <a:lumMod val="90000"/>
+            </a:schemeClr>
+          </a:solidFill>
+        </p:spPr>
+        <p:txBody>
+          <a:bodyPr wrap="none" rtlCol="0">
+            <a:spAutoFit/>
+          </a:bodyPr>
+          <a:lstStyle/>
+          <a:p>
+            <a:r>
+              <a:rPr lang="it-IT" dirty="0">
+                <a:solidFill>
+                  <a:srgbClr val="33CCFF"/>
+                </a:solidFill>
+                <a:hlinkClick r:id="rId4">
+                  <a:extLst>
+                    <a:ext uri="{A12FA001-AC4F-418D-AE19-62706E023703}">
+                      <ahyp:hlinkClr xmlns:ahyp="http://schemas.microsoft.com/office/drawing/2018/hyperlinkcolor" val="tx"/>
+                    </a:ext>
+                  </a:extLst>
+                </a:hlinkClick>
+              </a:rPr>
+              <a:t>https://github.com/tobiapoppi/Firefly-inspired-heartbeat-sync-in-Small-World-Networks</a:t>
+            </a:r>
+            <a:endParaRPr lang="it-IT" dirty="0">
+              <a:solidFill>
+                <a:srgbClr val="33CCFF"/>
+              </a:solidFill>
+            </a:endParaRPr>
           </a:p>
         </p:txBody>
       </p:sp>
@@ -18147,18 +14297,18 @@
 </file>
 
 <file path=customXml/item2.xml><?xml version="1.0" encoding="utf-8"?>
+<p:properties xmlns:p="http://schemas.microsoft.com/office/2006/metadata/properties" xmlns:xsi="http://www.w3.org/2001/XMLSchema-instance" xmlns:pc="http://schemas.microsoft.com/office/infopath/2007/PartnerControls">
+  <documentManagement/>
+</p:properties>
+</file>
+
+<file path=customXml/item3.xml><?xml version="1.0" encoding="utf-8"?>
 <?mso-contentType ?>
 <FormTemplates xmlns="http://schemas.microsoft.com/sharepoint/v3/contenttype/forms">
   <Display>DocumentLibraryForm</Display>
   <Edit>DocumentLibraryForm</Edit>
   <New>DocumentLibraryForm</New>
 </FormTemplates>
-</file>
-
-<file path=customXml/item3.xml><?xml version="1.0" encoding="utf-8"?>
-<p:properties xmlns:p="http://schemas.microsoft.com/office/2006/metadata/properties" xmlns:xsi="http://www.w3.org/2001/XMLSchema-instance" xmlns:pc="http://schemas.microsoft.com/office/infopath/2007/PartnerControls">
-  <documentManagement/>
-</p:properties>
 </file>
 
 <file path=customXml/itemProps1.xml><?xml version="1.0" encoding="utf-8"?>
@@ -18181,14 +14331,6 @@
 </file>
 
 <file path=customXml/itemProps2.xml><?xml version="1.0" encoding="utf-8"?>
-<ds:datastoreItem xmlns:ds="http://schemas.openxmlformats.org/officeDocument/2006/customXml" ds:itemID="{B6662529-DE66-45ED-A0EC-C40B3DF33636}">
-  <ds:schemaRefs>
-    <ds:schemaRef ds:uri="http://schemas.microsoft.com/sharepoint/v3/contenttype/forms"/>
-  </ds:schemaRefs>
-</ds:datastoreItem>
-</file>
-
-<file path=customXml/itemProps3.xml><?xml version="1.0" encoding="utf-8"?>
 <ds:datastoreItem xmlns:ds="http://schemas.openxmlformats.org/officeDocument/2006/customXml" ds:itemID="{C79B4AC6-2821-45BC-B369-7F03CC13B0EE}">
   <ds:schemaRefs>
     <ds:schemaRef ds:uri="http://purl.org/dc/terms/"/>
@@ -18203,4 +14345,12 @@
     <ds:schemaRef ds:uri="http://schemas.microsoft.com/office/2006/metadata/properties"/>
   </ds:schemaRefs>
 </ds:datastoreItem>
+</file>
+
+<file path=customXml/itemProps3.xml><?xml version="1.0" encoding="utf-8"?>
+<ds:datastoreItem xmlns:ds="http://schemas.openxmlformats.org/officeDocument/2006/customXml" ds:itemID="{B6662529-DE66-45ED-A0EC-C40B3DF33636}">
+  <ds:schemaRefs>
+    <ds:schemaRef ds:uri="http://schemas.microsoft.com/sharepoint/v3/contenttype/forms"/>
+  </ds:schemaRefs>
+</ds:datastoreItem>
 </file>
--- a/presentation.pptx
+++ b/presentation.pptx
@@ -14297,18 +14297,18 @@
 </file>
 
 <file path=customXml/item2.xml><?xml version="1.0" encoding="utf-8"?>
-<p:properties xmlns:p="http://schemas.microsoft.com/office/2006/metadata/properties" xmlns:xsi="http://www.w3.org/2001/XMLSchema-instance" xmlns:pc="http://schemas.microsoft.com/office/infopath/2007/PartnerControls">
-  <documentManagement/>
-</p:properties>
-</file>
-
-<file path=customXml/item3.xml><?xml version="1.0" encoding="utf-8"?>
 <?mso-contentType ?>
 <FormTemplates xmlns="http://schemas.microsoft.com/sharepoint/v3/contenttype/forms">
   <Display>DocumentLibraryForm</Display>
   <Edit>DocumentLibraryForm</Edit>
   <New>DocumentLibraryForm</New>
 </FormTemplates>
+</file>
+
+<file path=customXml/item3.xml><?xml version="1.0" encoding="utf-8"?>
+<p:properties xmlns:p="http://schemas.microsoft.com/office/2006/metadata/properties" xmlns:xsi="http://www.w3.org/2001/XMLSchema-instance" xmlns:pc="http://schemas.microsoft.com/office/infopath/2007/PartnerControls">
+  <documentManagement/>
+</p:properties>
 </file>
 
 <file path=customXml/itemProps1.xml><?xml version="1.0" encoding="utf-8"?>
@@ -14331,6 +14331,14 @@
 </file>
 
 <file path=customXml/itemProps2.xml><?xml version="1.0" encoding="utf-8"?>
+<ds:datastoreItem xmlns:ds="http://schemas.openxmlformats.org/officeDocument/2006/customXml" ds:itemID="{B6662529-DE66-45ED-A0EC-C40B3DF33636}">
+  <ds:schemaRefs>
+    <ds:schemaRef ds:uri="http://schemas.microsoft.com/sharepoint/v3/contenttype/forms"/>
+  </ds:schemaRefs>
+</ds:datastoreItem>
+</file>
+
+<file path=customXml/itemProps3.xml><?xml version="1.0" encoding="utf-8"?>
 <ds:datastoreItem xmlns:ds="http://schemas.openxmlformats.org/officeDocument/2006/customXml" ds:itemID="{C79B4AC6-2821-45BC-B369-7F03CC13B0EE}">
   <ds:schemaRefs>
     <ds:schemaRef ds:uri="http://purl.org/dc/terms/"/>
@@ -14345,12 +14353,4 @@
     <ds:schemaRef ds:uri="http://schemas.microsoft.com/office/2006/metadata/properties"/>
   </ds:schemaRefs>
 </ds:datastoreItem>
-</file>
-
-<file path=customXml/itemProps3.xml><?xml version="1.0" encoding="utf-8"?>
-<ds:datastoreItem xmlns:ds="http://schemas.openxmlformats.org/officeDocument/2006/customXml" ds:itemID="{B6662529-DE66-45ED-A0EC-C40B3DF33636}">
-  <ds:schemaRefs>
-    <ds:schemaRef ds:uri="http://schemas.microsoft.com/sharepoint/v3/contenttype/forms"/>
-  </ds:schemaRefs>
-</ds:datastoreItem>
 </file>